--- a/Module_2_Template_slide.pptx
+++ b/Module_2_Template_slide.pptx
@@ -5,7 +5,7 @@
     <p:sldMasterId id="2147483648" r:id="rId1"/>
   </p:sldMasterIdLst>
   <p:notesMasterIdLst>
-    <p:notesMasterId r:id="rId11"/>
+    <p:notesMasterId r:id="rId13"/>
   </p:notesMasterIdLst>
   <p:sldIdLst>
     <p:sldId id="256" r:id="rId2"/>
@@ -13,10 +13,12 @@
     <p:sldId id="265" r:id="rId4"/>
     <p:sldId id="258" r:id="rId5"/>
     <p:sldId id="259" r:id="rId6"/>
-    <p:sldId id="260" r:id="rId7"/>
-    <p:sldId id="261" r:id="rId8"/>
-    <p:sldId id="262" r:id="rId9"/>
-    <p:sldId id="263" r:id="rId10"/>
+    <p:sldId id="266" r:id="rId7"/>
+    <p:sldId id="267" r:id="rId8"/>
+    <p:sldId id="268" r:id="rId9"/>
+    <p:sldId id="260" r:id="rId10"/>
+    <p:sldId id="261" r:id="rId11"/>
+    <p:sldId id="262" r:id="rId12"/>
   </p:sldIdLst>
   <p:sldSz cx="9144000" cy="5143500" type="screen16x9"/>
   <p:notesSz cx="6858000" cy="9144000"/>
@@ -318,6 +320,22 @@
       </a:defRPr>
     </a:lvl9pPr>
   </p:defaultTextStyle>
+  <p:extLst>
+    <p:ext uri="{EFAFB233-063F-42B5-8137-9DF3F51BA10A}">
+      <p15:sldGuideLst xmlns:p15="http://schemas.microsoft.com/office/powerpoint/2012/main">
+        <p15:guide id="1" orient="horz" pos="1620">
+          <p15:clr>
+            <a:srgbClr val="A4A3A4"/>
+          </p15:clr>
+        </p15:guide>
+        <p15:guide id="2" pos="2880">
+          <p15:clr>
+            <a:srgbClr val="A4A3A4"/>
+          </p15:clr>
+        </p15:guide>
+      </p15:sldGuideLst>
+    </p:ext>
+  </p:extLst>
 </p:presentation>
 </file>
 
@@ -2017,7 +2035,7 @@
           </a:ln>
           <a:extLst>
             <a:ext uri="{C572A759-6A51-4108-AA02-DFA0A04FC94B}">
-              <ma14:wrappingTextBoxFlag xmlns:ma14="http://schemas.microsoft.com/office/mac/drawingml/2011/main" xmlns="" val="1"/>
+              <ma14:wrappingTextBoxFlag xmlns="" xmlns:ma14="http://schemas.microsoft.com/office/mac/drawingml/2011/main" val="1"/>
             </a:ext>
           </a:extLst>
         </p:spPr>
@@ -2056,7 +2074,7 @@
           </a:ln>
           <a:extLst>
             <a:ext uri="{C572A759-6A51-4108-AA02-DFA0A04FC94B}">
-              <ma14:wrappingTextBoxFlag xmlns:ma14="http://schemas.microsoft.com/office/mac/drawingml/2011/main" xmlns="" val="1"/>
+              <ma14:wrappingTextBoxFlag xmlns="" xmlns:ma14="http://schemas.microsoft.com/office/mac/drawingml/2011/main" val="1"/>
             </a:ext>
           </a:extLst>
         </p:spPr>
@@ -3116,7 +3134,7 @@
           </a:ln>
           <a:extLst>
             <a:ext uri="{C572A759-6A51-4108-AA02-DFA0A04FC94B}">
-              <ma14:wrappingTextBoxFlag xmlns:ma14="http://schemas.microsoft.com/office/mac/drawingml/2011/main" xmlns="" val="1"/>
+              <ma14:wrappingTextBoxFlag xmlns="" xmlns:ma14="http://schemas.microsoft.com/office/mac/drawingml/2011/main" val="1"/>
             </a:ext>
           </a:extLst>
         </p:spPr>
@@ -3164,7 +3182,7 @@
           </a:ln>
           <a:extLst>
             <a:ext uri="{C572A759-6A51-4108-AA02-DFA0A04FC94B}">
-              <ma14:wrappingTextBoxFlag xmlns:ma14="http://schemas.microsoft.com/office/mac/drawingml/2011/main" xmlns="" val="1"/>
+              <ma14:wrappingTextBoxFlag xmlns="" xmlns:ma14="http://schemas.microsoft.com/office/mac/drawingml/2011/main" val="1"/>
             </a:ext>
           </a:extLst>
         </p:spPr>
@@ -3240,7 +3258,7 @@
           </a:ln>
           <a:extLst>
             <a:ext uri="{C572A759-6A51-4108-AA02-DFA0A04FC94B}">
-              <ma14:wrappingTextBoxFlag xmlns:ma14="http://schemas.microsoft.com/office/mac/drawingml/2011/main" xmlns="" val="1"/>
+              <ma14:wrappingTextBoxFlag xmlns="" xmlns:ma14="http://schemas.microsoft.com/office/mac/drawingml/2011/main" val="1"/>
             </a:ext>
           </a:extLst>
         </p:spPr>
@@ -3290,7 +3308,551 @@
           </a:ln>
           <a:extLst>
             <a:ext uri="{C572A759-6A51-4108-AA02-DFA0A04FC94B}">
-              <ma14:wrappingTextBoxFlag xmlns:ma14="http://schemas.microsoft.com/office/mac/drawingml/2011/main" xmlns="" val="1"/>
+              <ma14:wrappingTextBoxFlag xmlns="" xmlns:ma14="http://schemas.microsoft.com/office/mac/drawingml/2011/main" val="1"/>
+            </a:ext>
+          </a:extLst>
+        </p:spPr>
+        <p:txBody>
+          <a:bodyPr lIns="45719" rIns="45719" anchor="ctr"/>
+          <a:lstStyle/>
+          <a:p>
+            <a:pPr defTabSz="457200">
+              <a:defRPr sz="500" b="1">
+                <a:latin typeface="Calibri"/>
+                <a:ea typeface="Calibri"/>
+                <a:cs typeface="Calibri"/>
+                <a:sym typeface="Calibri"/>
+              </a:defRPr>
+            </a:pPr>
+            <a:r>
+              <a:t>       Note: </a:t>
+            </a:r>
+            <a:r>
+              <a:rPr b="0"/>
+              <a:t>The data and information in this document is reflective of a hypothetical situation and client. This document is to be used for KPMG Virtual Internship purposes only. </a:t>
+            </a:r>
+          </a:p>
+        </p:txBody>
+      </p:sp>
+    </p:spTree>
+  </p:cSld>
+  <p:clrMapOvr>
+    <a:masterClrMapping/>
+  </p:clrMapOvr>
+  <p:transition spd="med"/>
+</p:sld>
+</file>
+
+<file path=ppt/slides/slide10.xml><?xml version="1.0" encoding="utf-8"?>
+<p:sld xmlns:a="http://schemas.openxmlformats.org/drawingml/2006/main" xmlns:r="http://schemas.openxmlformats.org/officeDocument/2006/relationships" xmlns:p="http://schemas.openxmlformats.org/presentationml/2006/main">
+  <p:cSld>
+    <p:spTree>
+      <p:nvGrpSpPr>
+        <p:cNvPr id="1" name=""/>
+        <p:cNvGrpSpPr/>
+        <p:nvPr/>
+      </p:nvGrpSpPr>
+      <p:grpSpPr>
+        <a:xfrm>
+          <a:off x="0" y="0"/>
+          <a:ext cx="0" cy="0"/>
+          <a:chOff x="0" y="0"/>
+          <a:chExt cx="0" cy="0"/>
+        </a:xfrm>
+      </p:grpSpPr>
+      <p:sp>
+        <p:nvSpPr>
+          <p:cNvPr id="148" name="Shape 97"/>
+          <p:cNvSpPr/>
+          <p:nvPr/>
+        </p:nvSpPr>
+        <p:spPr>
+          <a:xfrm>
+            <a:off x="-15501" y="-19475"/>
+            <a:ext cx="9191402" cy="840000"/>
+          </a:xfrm>
+          <a:prstGeom prst="rect">
+            <a:avLst/>
+          </a:prstGeom>
+          <a:gradFill>
+            <a:gsLst>
+              <a:gs pos="0">
+                <a:srgbClr val="1077D2"/>
+              </a:gs>
+              <a:gs pos="100000">
+                <a:srgbClr val="093153"/>
+              </a:gs>
+            </a:gsLst>
+            <a:lin ang="12000143"/>
+          </a:gradFill>
+          <a:ln w="12700">
+            <a:miter lim="400000"/>
+          </a:ln>
+        </p:spPr>
+        <p:txBody>
+          <a:bodyPr lIns="45719" rIns="45719" anchor="ctr"/>
+          <a:lstStyle/>
+          <a:p>
+            <a:endParaRPr/>
+          </a:p>
+        </p:txBody>
+      </p:sp>
+      <p:sp>
+        <p:nvSpPr>
+          <p:cNvPr id="149" name="Shape 98"/>
+          <p:cNvSpPr/>
+          <p:nvPr/>
+        </p:nvSpPr>
+        <p:spPr>
+          <a:xfrm>
+            <a:off x="205025" y="263974"/>
+            <a:ext cx="8565600" cy="758742"/>
+          </a:xfrm>
+          <a:prstGeom prst="rect">
+            <a:avLst/>
+          </a:prstGeom>
+          <a:ln w="12700">
+            <a:miter lim="400000"/>
+          </a:ln>
+          <a:extLst>
+            <a:ext uri="{C572A759-6A51-4108-AA02-DFA0A04FC94B}">
+              <ma14:wrappingTextBoxFlag xmlns="" xmlns:ma14="http://schemas.microsoft.com/office/mac/drawingml/2011/main" val="1"/>
+            </a:ext>
+          </a:extLst>
+        </p:spPr>
+        <p:txBody>
+          <a:bodyPr lIns="91424" tIns="91424" rIns="91424" bIns="91424">
+            <a:spAutoFit/>
+          </a:bodyPr>
+          <a:lstStyle>
+            <a:lvl1pPr>
+              <a:defRPr sz="2000" b="1">
+                <a:solidFill>
+                  <a:srgbClr val="FFFFFF"/>
+                </a:solidFill>
+              </a:defRPr>
+            </a:lvl1pPr>
+          </a:lstStyle>
+          <a:p>
+            <a:r>
+              <a:t>Interpretation</a:t>
+            </a:r>
+          </a:p>
+        </p:txBody>
+      </p:sp>
+      <p:sp>
+        <p:nvSpPr>
+          <p:cNvPr id="150" name="Shape 99"/>
+          <p:cNvSpPr/>
+          <p:nvPr/>
+        </p:nvSpPr>
+        <p:spPr>
+          <a:xfrm>
+            <a:off x="205025" y="1083299"/>
+            <a:ext cx="8565600" cy="920086"/>
+          </a:xfrm>
+          <a:prstGeom prst="rect">
+            <a:avLst/>
+          </a:prstGeom>
+          <a:ln w="12700">
+            <a:miter lim="400000"/>
+          </a:ln>
+          <a:extLst>
+            <a:ext uri="{C572A759-6A51-4108-AA02-DFA0A04FC94B}">
+              <ma14:wrappingTextBoxFlag xmlns="" xmlns:ma14="http://schemas.microsoft.com/office/mac/drawingml/2011/main" val="1"/>
+            </a:ext>
+          </a:extLst>
+        </p:spPr>
+        <p:txBody>
+          <a:bodyPr lIns="91424" tIns="91424" rIns="91424" bIns="91424">
+            <a:spAutoFit/>
+          </a:bodyPr>
+          <a:lstStyle>
+            <a:lvl1pPr>
+              <a:lnSpc>
+                <a:spcPct val="115000"/>
+              </a:lnSpc>
+              <a:defRPr sz="2000" b="1">
+                <a:latin typeface="Open Sans"/>
+                <a:ea typeface="Open Sans"/>
+                <a:cs typeface="Open Sans"/>
+                <a:sym typeface="Open Sans"/>
+              </a:defRPr>
+            </a:lvl1pPr>
+          </a:lstStyle>
+          <a:p>
+            <a:r>
+              <a:t>Place headline insight or information here. This should be the most important point for this slide.</a:t>
+            </a:r>
+          </a:p>
+        </p:txBody>
+      </p:sp>
+      <p:sp>
+        <p:nvSpPr>
+          <p:cNvPr id="151" name="Shape 100"/>
+          <p:cNvSpPr/>
+          <p:nvPr/>
+        </p:nvSpPr>
+        <p:spPr>
+          <a:xfrm>
+            <a:off x="205025" y="2164724"/>
+            <a:ext cx="4134600" cy="436851"/>
+          </a:xfrm>
+          <a:prstGeom prst="rect">
+            <a:avLst/>
+          </a:prstGeom>
+          <a:ln w="12700">
+            <a:miter lim="400000"/>
+          </a:ln>
+          <a:extLst>
+            <a:ext uri="{C572A759-6A51-4108-AA02-DFA0A04FC94B}">
+              <ma14:wrappingTextBoxFlag xmlns="" xmlns:ma14="http://schemas.microsoft.com/office/mac/drawingml/2011/main" val="1"/>
+            </a:ext>
+          </a:extLst>
+        </p:spPr>
+        <p:txBody>
+          <a:bodyPr lIns="91424" tIns="91424" rIns="91424" bIns="91424">
+            <a:spAutoFit/>
+          </a:bodyPr>
+          <a:lstStyle>
+            <a:lvl1pPr>
+              <a:lnSpc>
+                <a:spcPct val="115000"/>
+              </a:lnSpc>
+              <a:defRPr sz="1500">
+                <a:latin typeface="Open Sans"/>
+                <a:ea typeface="Open Sans"/>
+                <a:cs typeface="Open Sans"/>
+                <a:sym typeface="Open Sans"/>
+              </a:defRPr>
+            </a:lvl1pPr>
+          </a:lstStyle>
+          <a:p>
+            <a:r>
+              <a:t>Place any information about this point here.</a:t>
+            </a:r>
+          </a:p>
+        </p:txBody>
+      </p:sp>
+      <p:grpSp>
+        <p:nvGrpSpPr>
+          <p:cNvPr id="154" name="Shape 101"/>
+          <p:cNvGrpSpPr/>
+          <p:nvPr/>
+        </p:nvGrpSpPr>
+        <p:grpSpPr>
+          <a:xfrm>
+            <a:off x="4969974" y="2164724"/>
+            <a:ext cx="3800702" cy="2649302"/>
+            <a:chOff x="0" y="0"/>
+            <a:chExt cx="3800700" cy="2649300"/>
+          </a:xfrm>
+        </p:grpSpPr>
+        <p:sp>
+          <p:nvSpPr>
+            <p:cNvPr id="152" name="Rectangle"/>
+            <p:cNvSpPr/>
+            <p:nvPr/>
+          </p:nvSpPr>
+          <p:spPr>
+            <a:xfrm>
+              <a:off x="-1" y="-1"/>
+              <a:ext cx="3800702" cy="2649302"/>
+            </a:xfrm>
+            <a:prstGeom prst="rect">
+              <a:avLst/>
+            </a:prstGeom>
+            <a:solidFill>
+              <a:srgbClr val="EEEEEE"/>
+            </a:solidFill>
+            <a:ln w="12700" cap="flat">
+              <a:noFill/>
+              <a:miter lim="400000"/>
+            </a:ln>
+            <a:effectLst/>
+          </p:spPr>
+          <p:txBody>
+            <a:bodyPr wrap="square" lIns="45719" tIns="45719" rIns="45719" bIns="45719" numCol="1" anchor="ctr">
+              <a:noAutofit/>
+            </a:bodyPr>
+            <a:lstStyle/>
+            <a:p>
+              <a:pPr algn="ctr">
+                <a:defRPr>
+                  <a:solidFill>
+                    <a:srgbClr val="666666"/>
+                  </a:solidFill>
+                </a:defRPr>
+              </a:pPr>
+              <a:endParaRPr/>
+            </a:p>
+          </p:txBody>
+        </p:sp>
+        <p:sp>
+          <p:nvSpPr>
+            <p:cNvPr id="153" name="Place any supporting images, graphs, data or extra text here."/>
+            <p:cNvSpPr/>
+            <p:nvPr/>
+          </p:nvSpPr>
+          <p:spPr>
+            <a:xfrm>
+              <a:off x="-1" y="1032933"/>
+              <a:ext cx="3800702" cy="583434"/>
+            </a:xfrm>
+            <a:prstGeom prst="rect">
+              <a:avLst/>
+            </a:prstGeom>
+            <a:noFill/>
+            <a:ln w="12700" cap="flat">
+              <a:noFill/>
+              <a:miter lim="400000"/>
+            </a:ln>
+            <a:effectLst/>
+            <a:extLst>
+              <a:ext uri="{C572A759-6A51-4108-AA02-DFA0A04FC94B}">
+                <ma14:wrappingTextBoxFlag xmlns="" xmlns:ma14="http://schemas.microsoft.com/office/mac/drawingml/2011/main" val="1"/>
+              </a:ext>
+            </a:extLst>
+          </p:spPr>
+          <p:txBody>
+            <a:bodyPr wrap="square" lIns="91424" tIns="91424" rIns="91424" bIns="91424" numCol="1" anchor="ctr">
+              <a:spAutoFit/>
+            </a:bodyPr>
+            <a:lstStyle>
+              <a:lvl1pPr algn="ctr">
+                <a:defRPr>
+                  <a:solidFill>
+                    <a:srgbClr val="666666"/>
+                  </a:solidFill>
+                </a:defRPr>
+              </a:lvl1pPr>
+            </a:lstStyle>
+            <a:p>
+              <a:r>
+                <a:t>Place any supporting images, graphs, data or extra text here.</a:t>
+              </a:r>
+            </a:p>
+          </p:txBody>
+        </p:sp>
+      </p:grpSp>
+      <p:sp>
+        <p:nvSpPr>
+          <p:cNvPr id="155" name="Note: The data and information in this document is reflective of a hypothetical situation and client. This document is to be used for KPMG Virtual Internship purposes only."/>
+          <p:cNvSpPr/>
+          <p:nvPr/>
+        </p:nvSpPr>
+        <p:spPr>
+          <a:xfrm>
+            <a:off x="-6201" y="-6350"/>
+            <a:ext cx="9175601" cy="238700"/>
+          </a:xfrm>
+          <a:prstGeom prst="rect">
+            <a:avLst/>
+          </a:prstGeom>
+          <a:solidFill>
+            <a:schemeClr val="accent3"/>
+          </a:solidFill>
+          <a:ln w="12700">
+            <a:miter lim="400000"/>
+          </a:ln>
+          <a:extLst>
+            <a:ext uri="{C572A759-6A51-4108-AA02-DFA0A04FC94B}">
+              <ma14:wrappingTextBoxFlag xmlns="" xmlns:ma14="http://schemas.microsoft.com/office/mac/drawingml/2011/main" val="1"/>
+            </a:ext>
+          </a:extLst>
+        </p:spPr>
+        <p:txBody>
+          <a:bodyPr lIns="45719" rIns="45719" anchor="ctr"/>
+          <a:lstStyle/>
+          <a:p>
+            <a:pPr defTabSz="457200">
+              <a:defRPr sz="500" b="1">
+                <a:latin typeface="Calibri"/>
+                <a:ea typeface="Calibri"/>
+                <a:cs typeface="Calibri"/>
+                <a:sym typeface="Calibri"/>
+              </a:defRPr>
+            </a:pPr>
+            <a:r>
+              <a:t>       Note: </a:t>
+            </a:r>
+            <a:r>
+              <a:rPr b="0"/>
+              <a:t>The data and information in this document is reflective of a hypothetical situation and client. This document is to be used for KPMG Virtual Internship purposes only. </a:t>
+            </a:r>
+          </a:p>
+        </p:txBody>
+      </p:sp>
+    </p:spTree>
+  </p:cSld>
+  <p:clrMapOvr>
+    <a:masterClrMapping/>
+  </p:clrMapOvr>
+  <p:transition spd="med"/>
+</p:sld>
+</file>
+
+<file path=ppt/slides/slide11.xml><?xml version="1.0" encoding="utf-8"?>
+<p:sld xmlns:a="http://schemas.openxmlformats.org/drawingml/2006/main" xmlns:r="http://schemas.openxmlformats.org/officeDocument/2006/relationships" xmlns:p="http://schemas.openxmlformats.org/presentationml/2006/main">
+  <p:cSld>
+    <p:spTree>
+      <p:nvGrpSpPr>
+        <p:cNvPr id="1" name=""/>
+        <p:cNvGrpSpPr/>
+        <p:nvPr/>
+      </p:nvGrpSpPr>
+      <p:grpSpPr>
+        <a:xfrm>
+          <a:off x="0" y="0"/>
+          <a:ext cx="0" cy="0"/>
+          <a:chOff x="0" y="0"/>
+          <a:chExt cx="0" cy="0"/>
+        </a:xfrm>
+      </p:grpSpPr>
+      <p:sp>
+        <p:nvSpPr>
+          <p:cNvPr id="157" name="Shape 106"/>
+          <p:cNvSpPr/>
+          <p:nvPr/>
+        </p:nvSpPr>
+        <p:spPr>
+          <a:xfrm rot="10800000" flipH="1">
+            <a:off x="-1" y="0"/>
+            <a:ext cx="9163201" cy="5148001"/>
+          </a:xfrm>
+          <a:custGeom>
+            <a:avLst/>
+            <a:gdLst/>
+            <a:ahLst/>
+            <a:cxnLst>
+              <a:cxn ang="0">
+                <a:pos x="wd2" y="hd2"/>
+              </a:cxn>
+              <a:cxn ang="5400000">
+                <a:pos x="wd2" y="hd2"/>
+              </a:cxn>
+              <a:cxn ang="10800000">
+                <a:pos x="wd2" y="hd2"/>
+              </a:cxn>
+              <a:cxn ang="16200000">
+                <a:pos x="wd2" y="hd2"/>
+              </a:cxn>
+            </a:cxnLst>
+            <a:rect l="0" t="0" r="r" b="b"/>
+            <a:pathLst>
+              <a:path w="21600" h="21600" extrusionOk="0">
+                <a:moveTo>
+                  <a:pt x="0" y="0"/>
+                </a:moveTo>
+                <a:lnTo>
+                  <a:pt x="16564" y="0"/>
+                </a:lnTo>
+                <a:lnTo>
+                  <a:pt x="21600" y="8964"/>
+                </a:lnTo>
+                <a:lnTo>
+                  <a:pt x="21600" y="21600"/>
+                </a:lnTo>
+                <a:lnTo>
+                  <a:pt x="0" y="21600"/>
+                </a:lnTo>
+                <a:close/>
+              </a:path>
+            </a:pathLst>
+          </a:custGeom>
+          <a:gradFill>
+            <a:gsLst>
+              <a:gs pos="0">
+                <a:srgbClr val="1077D2"/>
+              </a:gs>
+              <a:gs pos="100000">
+                <a:srgbClr val="093153"/>
+              </a:gs>
+            </a:gsLst>
+            <a:lin ang="12000143"/>
+          </a:gradFill>
+          <a:ln w="12700">
+            <a:miter lim="400000"/>
+          </a:ln>
+        </p:spPr>
+        <p:txBody>
+          <a:bodyPr lIns="45719" rIns="45719" anchor="ctr"/>
+          <a:lstStyle/>
+          <a:p>
+            <a:endParaRPr/>
+          </a:p>
+        </p:txBody>
+      </p:sp>
+      <p:sp>
+        <p:nvSpPr>
+          <p:cNvPr id="158" name="Shape 107"/>
+          <p:cNvSpPr/>
+          <p:nvPr/>
+        </p:nvSpPr>
+        <p:spPr>
+          <a:xfrm>
+            <a:off x="537899" y="1895175"/>
+            <a:ext cx="3953102" cy="779751"/>
+          </a:xfrm>
+          <a:prstGeom prst="rect">
+            <a:avLst/>
+          </a:prstGeom>
+          <a:ln w="12700">
+            <a:miter lim="400000"/>
+          </a:ln>
+          <a:extLst>
+            <a:ext uri="{C572A759-6A51-4108-AA02-DFA0A04FC94B}">
+              <ma14:wrappingTextBoxFlag xmlns="" xmlns:ma14="http://schemas.microsoft.com/office/mac/drawingml/2011/main" val="1"/>
+            </a:ext>
+          </a:extLst>
+        </p:spPr>
+        <p:txBody>
+          <a:bodyPr lIns="91424" tIns="91424" rIns="91424" bIns="91424">
+            <a:spAutoFit/>
+          </a:bodyPr>
+          <a:lstStyle>
+            <a:lvl1pPr>
+              <a:defRPr sz="3500">
+                <a:solidFill>
+                  <a:srgbClr val="FFFFFF"/>
+                </a:solidFill>
+                <a:latin typeface="Open Sans Extrabold"/>
+                <a:ea typeface="Open Sans Extrabold"/>
+                <a:cs typeface="Open Sans Extrabold"/>
+                <a:sym typeface="Open Sans Extrabold"/>
+              </a:defRPr>
+            </a:lvl1pPr>
+          </a:lstStyle>
+          <a:p>
+            <a:r>
+              <a:t>Appendix</a:t>
+            </a:r>
+          </a:p>
+        </p:txBody>
+      </p:sp>
+      <p:sp>
+        <p:nvSpPr>
+          <p:cNvPr id="159" name="Note: The data and information in this document is reflective of a hypothetical situation and client. This document is to be used for KPMG Virtual Internship purposes only."/>
+          <p:cNvSpPr/>
+          <p:nvPr/>
+        </p:nvSpPr>
+        <p:spPr>
+          <a:xfrm>
+            <a:off x="-6201" y="-6350"/>
+            <a:ext cx="9175601" cy="238700"/>
+          </a:xfrm>
+          <a:prstGeom prst="rect">
+            <a:avLst/>
+          </a:prstGeom>
+          <a:solidFill>
+            <a:schemeClr val="accent3"/>
+          </a:solidFill>
+          <a:ln w="12700">
+            <a:miter lim="400000"/>
+          </a:ln>
+          <a:extLst>
+            <a:ext uri="{C572A759-6A51-4108-AA02-DFA0A04FC94B}">
+              <ma14:wrappingTextBoxFlag xmlns="" xmlns:ma14="http://schemas.microsoft.com/office/mac/drawingml/2011/main" val="1"/>
             </a:ext>
           </a:extLst>
         </p:spPr>
@@ -3398,7 +3960,7 @@
           </a:ln>
           <a:extLst>
             <a:ext uri="{C572A759-6A51-4108-AA02-DFA0A04FC94B}">
-              <ma14:wrappingTextBoxFlag xmlns:ma14="http://schemas.microsoft.com/office/mac/drawingml/2011/main" xmlns="" val="1"/>
+              <ma14:wrappingTextBoxFlag xmlns="" xmlns:ma14="http://schemas.microsoft.com/office/mac/drawingml/2011/main" val="1"/>
             </a:ext>
           </a:extLst>
         </p:spPr>
@@ -3441,7 +4003,7 @@
           </a:ln>
           <a:extLst>
             <a:ext uri="{C572A759-6A51-4108-AA02-DFA0A04FC94B}">
-              <ma14:wrappingTextBoxFlag xmlns:ma14="http://schemas.microsoft.com/office/mac/drawingml/2011/main" xmlns="" val="1"/>
+              <ma14:wrappingTextBoxFlag xmlns="" xmlns:ma14="http://schemas.microsoft.com/office/mac/drawingml/2011/main" val="1"/>
             </a:ext>
           </a:extLst>
         </p:spPr>
@@ -3558,7 +4120,7 @@
           </a:ln>
           <a:extLst>
             <a:ext uri="{C572A759-6A51-4108-AA02-DFA0A04FC94B}">
-              <ma14:wrappingTextBoxFlag xmlns:ma14="http://schemas.microsoft.com/office/mac/drawingml/2011/main" xmlns="" val="1"/>
+              <ma14:wrappingTextBoxFlag xmlns="" xmlns:ma14="http://schemas.microsoft.com/office/mac/drawingml/2011/main" val="1"/>
             </a:ext>
           </a:extLst>
         </p:spPr>
@@ -3666,7 +4228,7 @@
           </a:ln>
           <a:extLst>
             <a:ext uri="{C572A759-6A51-4108-AA02-DFA0A04FC94B}">
-              <ma14:wrappingTextBoxFlag xmlns:ma14="http://schemas.microsoft.com/office/mac/drawingml/2011/main" xmlns="" val="1"/>
+              <ma14:wrappingTextBoxFlag xmlns="" xmlns:ma14="http://schemas.microsoft.com/office/mac/drawingml/2011/main" val="1"/>
             </a:ext>
           </a:extLst>
         </p:spPr>
@@ -3685,7 +4247,7 @@
           </a:lstStyle>
           <a:p>
             <a:r>
-              <a:rPr lang="en-IN" dirty="0" smtClean="0"/>
+              <a:rPr lang="en-IN" dirty="0"/>
               <a:t>Objective &amp; Scope</a:t>
             </a:r>
             <a:endParaRPr dirty="0"/>
@@ -3711,7 +4273,7 @@
           </a:ln>
           <a:extLst>
             <a:ext uri="{C572A759-6A51-4108-AA02-DFA0A04FC94B}">
-              <ma14:wrappingTextBoxFlag xmlns:ma14="http://schemas.microsoft.com/office/mac/drawingml/2011/main" xmlns="" val="1"/>
+              <ma14:wrappingTextBoxFlag xmlns="" xmlns:ma14="http://schemas.microsoft.com/office/mac/drawingml/2011/main" val="1"/>
             </a:ext>
           </a:extLst>
         </p:spPr>
@@ -3737,7 +4299,7 @@
               </a:defRPr>
             </a:pPr>
             <a:r>
-              <a:rPr lang="en-IN" sz="1600" b="1" dirty="0" smtClean="0"/>
+              <a:rPr lang="en-IN" sz="1600" b="1" dirty="0"/>
               <a:t>Objective</a:t>
             </a:r>
             <a:endParaRPr sz="1600" b="1" dirty="0"/>
@@ -3766,7 +4328,7 @@
           </a:ln>
           <a:extLst>
             <a:ext uri="{C572A759-6A51-4108-AA02-DFA0A04FC94B}">
-              <ma14:wrappingTextBoxFlag xmlns:ma14="http://schemas.microsoft.com/office/mac/drawingml/2011/main" xmlns="" val="1"/>
+              <ma14:wrappingTextBoxFlag xmlns="" xmlns:ma14="http://schemas.microsoft.com/office/mac/drawingml/2011/main" val="1"/>
             </a:ext>
           </a:extLst>
         </p:spPr>
@@ -3849,7 +4411,7 @@
               <a:tabLst/>
             </a:pPr>
             <a:r>
-              <a:rPr kumimoji="0" lang="en-IN" sz="1400" b="0" i="0" u="none" strike="noStrike" cap="none" spc="0" normalizeH="0" baseline="0" dirty="0" smtClean="0">
+              <a:rPr kumimoji="0" lang="en-IN" sz="1400" b="0" i="0" u="none" strike="noStrike" cap="none" spc="0" normalizeH="0" baseline="0" dirty="0">
                 <a:ln>
                   <a:noFill/>
                 </a:ln>
@@ -3866,7 +4428,7 @@
               <a:t>To identify the set of valuable customers from a pool of customer base that should be targeted to pitch a product based on demographics</a:t>
             </a:r>
             <a:r>
-              <a:rPr kumimoji="0" lang="en-IN" sz="1400" b="0" i="0" u="none" strike="noStrike" cap="none" spc="0" normalizeH="0" dirty="0" smtClean="0">
+              <a:rPr kumimoji="0" lang="en-IN" sz="1400" b="0" i="0" u="none" strike="noStrike" cap="none" spc="0" normalizeH="0" dirty="0">
                 <a:ln>
                   <a:noFill/>
                 </a:ln>
@@ -3956,7 +4518,7 @@
               <a:tabLst/>
             </a:pPr>
             <a:r>
-              <a:rPr kumimoji="0" lang="en-IN" sz="1400" b="0" i="0" u="none" strike="noStrike" cap="none" spc="0" normalizeH="0" baseline="0" dirty="0" smtClean="0">
+              <a:rPr kumimoji="0" lang="en-IN" sz="1400" b="1" i="0" u="none" strike="noStrike" cap="none" spc="0" normalizeH="0" baseline="0" dirty="0">
                 <a:ln>
                   <a:noFill/>
                 </a:ln>
@@ -3972,20 +4534,6 @@
               </a:rPr>
               <a:t>Scope</a:t>
             </a:r>
-            <a:endParaRPr kumimoji="0" lang="en-IN" sz="1400" b="0" i="0" u="none" strike="noStrike" cap="none" spc="0" normalizeH="0" baseline="0" dirty="0">
-              <a:ln>
-                <a:noFill/>
-              </a:ln>
-              <a:solidFill>
-                <a:srgbClr val="000000"/>
-              </a:solidFill>
-              <a:effectLst/>
-              <a:uFillTx/>
-              <a:latin typeface="+mn-lt"/>
-              <a:ea typeface="+mn-ea"/>
-              <a:cs typeface="+mn-cs"/>
-              <a:sym typeface="Arial"/>
-            </a:endParaRPr>
           </a:p>
         </p:txBody>
       </p:sp>
@@ -4034,7 +4582,7 @@
               <a:buChar char="•"/>
             </a:pPr>
             <a:r>
-              <a:rPr kumimoji="0" lang="en-IN" sz="1400" b="0" i="0" u="none" strike="noStrike" cap="none" spc="0" normalizeH="0" baseline="0" dirty="0" smtClean="0">
+              <a:rPr kumimoji="0" lang="en-IN" sz="1400" b="0" i="0" u="none" strike="noStrike" cap="none" spc="0" normalizeH="0" baseline="0" dirty="0">
                 <a:ln>
                   <a:noFill/>
                 </a:ln>
@@ -4051,7 +4599,7 @@
               <a:t>To develop a model that will identify the right set of customer who are likely to make a purchase in future</a:t>
             </a:r>
             <a:r>
-              <a:rPr kumimoji="0" lang="en-IN" sz="1400" b="0" i="0" u="none" strike="noStrike" cap="none" spc="0" normalizeH="0" dirty="0" smtClean="0">
+              <a:rPr kumimoji="0" lang="en-IN" sz="1400" b="0" i="0" u="none" strike="noStrike" cap="none" spc="0" normalizeH="0" dirty="0">
                 <a:ln>
                   <a:noFill/>
                 </a:ln>
@@ -4069,13 +4617,8 @@
             </a:r>
             <a:r>
               <a:rPr lang="en-IN" dirty="0"/>
-              <a:t>Sprocket Central Pty </a:t>
-            </a:r>
-            <a:r>
-              <a:rPr lang="en-IN" dirty="0" smtClean="0"/>
-              <a:t>Ltd.</a:t>
-            </a:r>
-            <a:endParaRPr lang="en-IN" dirty="0"/>
+              <a:t>Sprocket Central Pty Ltd.</a:t>
+            </a:r>
           </a:p>
           <a:p>
             <a:pPr marL="285750" marR="0" indent="-285750" algn="l" defTabSz="914400" rtl="0" fontAlgn="auto" latinLnBrk="0" hangingPunct="0">
@@ -4198,7 +4741,7 @@
           </a:ln>
           <a:extLst>
             <a:ext uri="{C572A759-6A51-4108-AA02-DFA0A04FC94B}">
-              <ma14:wrappingTextBoxFlag xmlns:ma14="http://schemas.microsoft.com/office/mac/drawingml/2011/main" xmlns="" val="1"/>
+              <ma14:wrappingTextBoxFlag xmlns="" xmlns:ma14="http://schemas.microsoft.com/office/mac/drawingml/2011/main" val="1"/>
             </a:ext>
           </a:extLst>
         </p:spPr>
@@ -4230,8 +4773,8 @@
         </p:nvSpPr>
         <p:spPr>
           <a:xfrm>
-            <a:off x="205025" y="987574"/>
-            <a:ext cx="8565600" cy="516327"/>
+            <a:off x="205025" y="872160"/>
+            <a:ext cx="8565600" cy="538577"/>
           </a:xfrm>
           <a:prstGeom prst="rect">
             <a:avLst/>
@@ -4241,7 +4784,7 @@
           </a:ln>
           <a:extLst>
             <a:ext uri="{C572A759-6A51-4108-AA02-DFA0A04FC94B}">
-              <ma14:wrappingTextBoxFlag xmlns:ma14="http://schemas.microsoft.com/office/mac/drawingml/2011/main" xmlns="" val="1"/>
+              <ma14:wrappingTextBoxFlag xmlns="" xmlns:ma14="http://schemas.microsoft.com/office/mac/drawingml/2011/main" val="1"/>
             </a:ext>
           </a:extLst>
         </p:spPr>
@@ -4264,8 +4807,8 @@
           </a:lstStyle>
           <a:p>
             <a:r>
-              <a:rPr lang="en-IN" dirty="0" smtClean="0"/>
-              <a:t>3 Dataset</a:t>
+              <a:rPr lang="en-IN" dirty="0"/>
+              <a:t>We have been provided 3 Dataset</a:t>
             </a:r>
             <a:endParaRPr dirty="0"/>
           </a:p>
@@ -4279,7 +4822,7 @@
         </p:nvSpPr>
         <p:spPr>
           <a:xfrm>
-            <a:off x="205025" y="1547353"/>
+            <a:off x="205025" y="1367874"/>
             <a:ext cx="4134600" cy="981005"/>
           </a:xfrm>
           <a:prstGeom prst="rect">
@@ -4290,7 +4833,7 @@
           </a:ln>
           <a:extLst>
             <a:ext uri="{C572A759-6A51-4108-AA02-DFA0A04FC94B}">
-              <ma14:wrappingTextBoxFlag xmlns:ma14="http://schemas.microsoft.com/office/mac/drawingml/2011/main" xmlns="" val="1"/>
+              <ma14:wrappingTextBoxFlag xmlns="" xmlns:ma14="http://schemas.microsoft.com/office/mac/drawingml/2011/main" val="1"/>
             </a:ext>
           </a:extLst>
         </p:spPr>
@@ -4317,7 +4860,7 @@
               <a:buChar char="•"/>
             </a:pPr>
             <a:r>
-              <a:rPr lang="en-IN" dirty="0" smtClean="0"/>
+              <a:rPr lang="en-IN" dirty="0"/>
               <a:t>Transactions</a:t>
             </a:r>
           </a:p>
@@ -4327,7 +4870,7 @@
               <a:buChar char="•"/>
             </a:pPr>
             <a:r>
-              <a:rPr lang="en-IN" dirty="0" smtClean="0"/>
+              <a:rPr lang="en-IN" dirty="0"/>
               <a:t>Customer Demographics</a:t>
             </a:r>
           </a:p>
@@ -4337,7 +4880,7 @@
               <a:buChar char="•"/>
             </a:pPr>
             <a:r>
-              <a:rPr lang="en-IN" dirty="0" smtClean="0"/>
+              <a:rPr lang="en-IN" dirty="0"/>
               <a:t>Customer Address</a:t>
             </a:r>
             <a:endParaRPr dirty="0"/>
@@ -4366,7 +4909,7 @@
           </a:ln>
           <a:extLst>
             <a:ext uri="{C572A759-6A51-4108-AA02-DFA0A04FC94B}">
-              <ma14:wrappingTextBoxFlag xmlns:ma14="http://schemas.microsoft.com/office/mac/drawingml/2011/main" xmlns="" val="1"/>
+              <ma14:wrappingTextBoxFlag xmlns="" xmlns:ma14="http://schemas.microsoft.com/office/mac/drawingml/2011/main" val="1"/>
             </a:ext>
           </a:extLst>
         </p:spPr>
@@ -4389,6 +4932,301 @@
               <a:rPr b="0"/>
               <a:t>The data and information in this document is reflective of a hypothetical situation and client. This document is to be used for KPMG Virtual Internship purposes only. </a:t>
             </a:r>
+          </a:p>
+        </p:txBody>
+      </p:sp>
+      <p:sp>
+        <p:nvSpPr>
+          <p:cNvPr id="2" name="TextBox 1"/>
+          <p:cNvSpPr txBox="1"/>
+          <p:nvPr/>
+        </p:nvSpPr>
+        <p:spPr>
+          <a:xfrm>
+            <a:off x="323528" y="2427734"/>
+            <a:ext cx="8568952" cy="1384993"/>
+          </a:xfrm>
+          <a:prstGeom prst="rect">
+            <a:avLst/>
+          </a:prstGeom>
+          <a:noFill/>
+          <a:ln w="12700" cap="flat">
+            <a:noFill/>
+            <a:miter lim="400000"/>
+          </a:ln>
+          <a:effectLst/>
+          <a:sp3d/>
+        </p:spPr>
+        <p:style>
+          <a:lnRef idx="0">
+            <a:scrgbClr r="0" g="0" b="0"/>
+          </a:lnRef>
+          <a:fillRef idx="0">
+            <a:scrgbClr r="0" g="0" b="0"/>
+          </a:fillRef>
+          <a:effectRef idx="0">
+            <a:scrgbClr r="0" g="0" b="0"/>
+          </a:effectRef>
+          <a:fontRef idx="none"/>
+        </p:style>
+        <p:txBody>
+          <a:bodyPr rot="0" spcFirstLastPara="1" vertOverflow="overflow" horzOverflow="overflow" vert="horz" wrap="square" lIns="45719" tIns="45719" rIns="45719" bIns="45719" numCol="1" spcCol="38100" rtlCol="0" anchor="t">
+            <a:spAutoFit/>
+          </a:bodyPr>
+          <a:lstStyle/>
+          <a:p>
+            <a:pPr marL="0" marR="0" indent="0" algn="l" defTabSz="914400" rtl="0" fontAlgn="auto" latinLnBrk="0" hangingPunct="0">
+              <a:lnSpc>
+                <a:spcPct val="100000"/>
+              </a:lnSpc>
+              <a:spcBef>
+                <a:spcPts val="0"/>
+              </a:spcBef>
+              <a:spcAft>
+                <a:spcPts val="0"/>
+              </a:spcAft>
+              <a:buClrTx/>
+              <a:buSzTx/>
+              <a:buFontTx/>
+              <a:buNone/>
+              <a:tabLst/>
+            </a:pPr>
+            <a:r>
+              <a:rPr kumimoji="0" lang="en-US" sz="1400" b="0" i="0" u="none" strike="noStrike" cap="none" spc="0" normalizeH="0" baseline="0" dirty="0">
+                <a:ln>
+                  <a:noFill/>
+                </a:ln>
+                <a:solidFill>
+                  <a:srgbClr val="000000"/>
+                </a:solidFill>
+                <a:effectLst/>
+                <a:uFillTx/>
+                <a:latin typeface="+mn-lt"/>
+                <a:ea typeface="+mn-ea"/>
+                <a:cs typeface="+mn-cs"/>
+                <a:sym typeface="Arial"/>
+              </a:rPr>
+              <a:t>The above 3 dataset</a:t>
+            </a:r>
+            <a:r>
+              <a:rPr lang="en-US" dirty="0"/>
+              <a:t>s have been combined to create a new set unique records and profit is calculated.</a:t>
+            </a:r>
+          </a:p>
+          <a:p>
+            <a:pPr marL="0" marR="0" indent="0" algn="l" defTabSz="914400" rtl="0" fontAlgn="auto" latinLnBrk="0" hangingPunct="0">
+              <a:lnSpc>
+                <a:spcPct val="100000"/>
+              </a:lnSpc>
+              <a:spcBef>
+                <a:spcPts val="0"/>
+              </a:spcBef>
+              <a:spcAft>
+                <a:spcPts val="0"/>
+              </a:spcAft>
+              <a:buClrTx/>
+              <a:buSzTx/>
+              <a:buFontTx/>
+              <a:buNone/>
+              <a:tabLst/>
+            </a:pPr>
+            <a:r>
+              <a:rPr kumimoji="0" lang="en-US" sz="1400" b="1" i="0" u="none" strike="noStrike" cap="none" spc="0" normalizeH="0" baseline="0" dirty="0">
+                <a:ln>
+                  <a:noFill/>
+                </a:ln>
+                <a:solidFill>
+                  <a:srgbClr val="000000"/>
+                </a:solidFill>
+                <a:effectLst/>
+                <a:uFillTx/>
+                <a:latin typeface="+mn-lt"/>
+                <a:ea typeface="+mn-ea"/>
+                <a:cs typeface="+mn-cs"/>
+                <a:sym typeface="Arial"/>
+              </a:rPr>
+              <a:t>Profit = </a:t>
+            </a:r>
+            <a:r>
+              <a:rPr kumimoji="0" lang="en-US" sz="1400" b="1" i="0" u="none" strike="noStrike" cap="none" spc="0" normalizeH="0" baseline="0" dirty="0" err="1">
+                <a:ln>
+                  <a:noFill/>
+                </a:ln>
+                <a:solidFill>
+                  <a:srgbClr val="000000"/>
+                </a:solidFill>
+                <a:effectLst/>
+                <a:uFillTx/>
+                <a:latin typeface="+mn-lt"/>
+                <a:ea typeface="+mn-ea"/>
+                <a:cs typeface="+mn-cs"/>
+                <a:sym typeface="Arial"/>
+              </a:rPr>
+              <a:t>list_price</a:t>
+            </a:r>
+            <a:r>
+              <a:rPr kumimoji="0" lang="en-US" sz="1400" b="1" i="0" u="none" strike="noStrike" cap="none" spc="0" normalizeH="0" baseline="0" dirty="0">
+                <a:ln>
+                  <a:noFill/>
+                </a:ln>
+                <a:solidFill>
+                  <a:srgbClr val="000000"/>
+                </a:solidFill>
+                <a:effectLst/>
+                <a:uFillTx/>
+                <a:latin typeface="+mn-lt"/>
+                <a:ea typeface="+mn-ea"/>
+                <a:cs typeface="+mn-cs"/>
+                <a:sym typeface="Arial"/>
+              </a:rPr>
+              <a:t> – </a:t>
+            </a:r>
+            <a:r>
+              <a:rPr kumimoji="0" lang="en-US" sz="1400" b="1" i="0" u="none" strike="noStrike" cap="none" spc="0" normalizeH="0" baseline="0" dirty="0" err="1">
+                <a:ln>
+                  <a:noFill/>
+                </a:ln>
+                <a:solidFill>
+                  <a:srgbClr val="000000"/>
+                </a:solidFill>
+                <a:effectLst/>
+                <a:uFillTx/>
+                <a:latin typeface="+mn-lt"/>
+                <a:ea typeface="+mn-ea"/>
+                <a:cs typeface="+mn-cs"/>
+                <a:sym typeface="Arial"/>
+              </a:rPr>
+              <a:t>standard_cost</a:t>
+            </a:r>
+            <a:r>
+              <a:rPr kumimoji="0" lang="en-US" sz="1400" b="0" i="0" u="none" strike="noStrike" cap="none" spc="0" normalizeH="0" baseline="0" dirty="0">
+                <a:ln>
+                  <a:noFill/>
+                </a:ln>
+                <a:solidFill>
+                  <a:srgbClr val="000000"/>
+                </a:solidFill>
+                <a:effectLst/>
+                <a:uFillTx/>
+                <a:latin typeface="+mn-lt"/>
+                <a:ea typeface="+mn-ea"/>
+                <a:cs typeface="+mn-cs"/>
+                <a:sym typeface="Arial"/>
+              </a:rPr>
+              <a:t>.</a:t>
+            </a:r>
+          </a:p>
+          <a:p>
+            <a:pPr marL="0" marR="0" indent="0" algn="l" defTabSz="914400" rtl="0" fontAlgn="auto" latinLnBrk="0" hangingPunct="0">
+              <a:lnSpc>
+                <a:spcPct val="100000"/>
+              </a:lnSpc>
+              <a:spcBef>
+                <a:spcPts val="0"/>
+              </a:spcBef>
+              <a:spcAft>
+                <a:spcPts val="0"/>
+              </a:spcAft>
+              <a:buClrTx/>
+              <a:buSzTx/>
+              <a:buFontTx/>
+              <a:buNone/>
+              <a:tabLst/>
+            </a:pPr>
+            <a:endParaRPr lang="en-US" dirty="0"/>
+          </a:p>
+          <a:p>
+            <a:r>
+              <a:rPr kumimoji="0" lang="en-US" sz="1400" b="0" i="0" u="none" strike="noStrike" cap="none" spc="0" normalizeH="0" baseline="0" dirty="0">
+                <a:ln>
+                  <a:noFill/>
+                </a:ln>
+                <a:solidFill>
+                  <a:srgbClr val="000000"/>
+                </a:solidFill>
+                <a:effectLst/>
+                <a:uFillTx/>
+                <a:latin typeface="+mn-lt"/>
+                <a:ea typeface="+mn-ea"/>
+                <a:cs typeface="+mn-cs"/>
+                <a:sym typeface="Arial"/>
+              </a:rPr>
+              <a:t>We have based all our exploration on the basis of Profit </a:t>
+            </a:r>
+            <a:r>
+              <a:rPr lang="en-US" dirty="0"/>
+              <a:t>that is</a:t>
+            </a:r>
+            <a:r>
+              <a:rPr kumimoji="0" lang="en-US" sz="1400" b="0" i="0" u="none" strike="noStrike" cap="none" spc="0" normalizeH="0" baseline="0" dirty="0">
+                <a:ln>
+                  <a:noFill/>
+                </a:ln>
+                <a:solidFill>
+                  <a:srgbClr val="000000"/>
+                </a:solidFill>
+                <a:effectLst/>
+                <a:uFillTx/>
+                <a:latin typeface="+mn-lt"/>
+                <a:ea typeface="+mn-ea"/>
+                <a:cs typeface="+mn-cs"/>
+                <a:sym typeface="Arial"/>
+              </a:rPr>
+              <a:t> to identify the set of attributes</a:t>
+            </a:r>
+            <a:r>
+              <a:rPr kumimoji="0" lang="en-US" sz="1400" b="0" i="0" u="none" strike="noStrike" cap="none" spc="0" normalizeH="0" dirty="0">
+                <a:ln>
+                  <a:noFill/>
+                </a:ln>
+                <a:solidFill>
+                  <a:srgbClr val="000000"/>
+                </a:solidFill>
+                <a:effectLst/>
+                <a:uFillTx/>
+                <a:latin typeface="+mn-lt"/>
+                <a:ea typeface="+mn-ea"/>
+                <a:cs typeface="+mn-cs"/>
+                <a:sym typeface="Arial"/>
+              </a:rPr>
+              <a:t> causing the maximum variability in profit for </a:t>
+            </a:r>
+            <a:r>
+              <a:rPr lang="en-IN" dirty="0"/>
+              <a:t>Sprocket Central Pty Ltd.</a:t>
+            </a:r>
+          </a:p>
+          <a:p>
+            <a:pPr marL="0" marR="0" indent="0" algn="l" defTabSz="914400" rtl="0" fontAlgn="auto" latinLnBrk="0" hangingPunct="0">
+              <a:lnSpc>
+                <a:spcPct val="100000"/>
+              </a:lnSpc>
+              <a:spcBef>
+                <a:spcPts val="0"/>
+              </a:spcBef>
+              <a:spcAft>
+                <a:spcPts val="0"/>
+              </a:spcAft>
+              <a:buClrTx/>
+              <a:buSzTx/>
+              <a:buFontTx/>
+              <a:buNone/>
+              <a:tabLst/>
+            </a:pPr>
+            <a:endParaRPr kumimoji="0" lang="en-IN" sz="1400" b="0" i="0" u="none" strike="noStrike" cap="none" spc="0" normalizeH="0" baseline="0" dirty="0">
+              <a:ln>
+                <a:noFill/>
+              </a:ln>
+              <a:solidFill>
+                <a:srgbClr val="000000"/>
+              </a:solidFill>
+              <a:effectLst/>
+              <a:uFillTx/>
+              <a:latin typeface="+mn-lt"/>
+              <a:ea typeface="+mn-ea"/>
+              <a:cs typeface="+mn-cs"/>
+              <a:sym typeface="Arial"/>
+            </a:endParaRPr>
           </a:p>
         </p:txBody>
       </p:sp>
@@ -4474,7 +5312,7 @@
           </a:ln>
           <a:extLst>
             <a:ext uri="{C572A759-6A51-4108-AA02-DFA0A04FC94B}">
-              <ma14:wrappingTextBoxFlag xmlns:ma14="http://schemas.microsoft.com/office/mac/drawingml/2011/main" xmlns="" val="1"/>
+              <ma14:wrappingTextBoxFlag xmlns="" xmlns:ma14="http://schemas.microsoft.com/office/mac/drawingml/2011/main" val="1"/>
             </a:ext>
           </a:extLst>
         </p:spPr>
@@ -4500,61 +5338,14 @@
       </p:sp>
       <p:sp>
         <p:nvSpPr>
-          <p:cNvPr id="132" name="Shape 81"/>
-          <p:cNvSpPr/>
-          <p:nvPr/>
-        </p:nvSpPr>
-        <p:spPr>
-          <a:xfrm>
-            <a:off x="205025" y="1083299"/>
-            <a:ext cx="8565600" cy="920086"/>
-          </a:xfrm>
-          <a:prstGeom prst="rect">
-            <a:avLst/>
-          </a:prstGeom>
-          <a:ln w="12700">
-            <a:miter lim="400000"/>
-          </a:ln>
-          <a:extLst>
-            <a:ext uri="{C572A759-6A51-4108-AA02-DFA0A04FC94B}">
-              <ma14:wrappingTextBoxFlag xmlns:ma14="http://schemas.microsoft.com/office/mac/drawingml/2011/main" xmlns="" val="1"/>
-            </a:ext>
-          </a:extLst>
-        </p:spPr>
-        <p:txBody>
-          <a:bodyPr lIns="91424" tIns="91424" rIns="91424" bIns="91424">
-            <a:spAutoFit/>
-          </a:bodyPr>
-          <a:lstStyle>
-            <a:lvl1pPr>
-              <a:lnSpc>
-                <a:spcPct val="115000"/>
-              </a:lnSpc>
-              <a:defRPr sz="2000" b="1">
-                <a:latin typeface="Open Sans"/>
-                <a:ea typeface="Open Sans"/>
-                <a:cs typeface="Open Sans"/>
-                <a:sym typeface="Open Sans"/>
-              </a:defRPr>
-            </a:lvl1pPr>
-          </a:lstStyle>
-          <a:p>
-            <a:r>
-              <a:t>Place headline insight or information here. This should be the most important point for this slide.</a:t>
-            </a:r>
-          </a:p>
-        </p:txBody>
-      </p:sp>
-      <p:sp>
-        <p:nvSpPr>
           <p:cNvPr id="133" name="Shape 82"/>
           <p:cNvSpPr/>
           <p:nvPr/>
         </p:nvSpPr>
         <p:spPr>
           <a:xfrm>
-            <a:off x="205025" y="2164724"/>
-            <a:ext cx="4134600" cy="436851"/>
+            <a:off x="230766" y="1078623"/>
+            <a:ext cx="4134600" cy="1618103"/>
           </a:xfrm>
           <a:prstGeom prst="rect">
             <a:avLst/>
@@ -4564,7 +5355,7 @@
           </a:ln>
           <a:extLst>
             <a:ext uri="{C572A759-6A51-4108-AA02-DFA0A04FC94B}">
-              <ma14:wrappingTextBoxFlag xmlns:ma14="http://schemas.microsoft.com/office/mac/drawingml/2011/main" xmlns="" val="1"/>
+              <ma14:wrappingTextBoxFlag xmlns="" xmlns:ma14="http://schemas.microsoft.com/office/mac/drawingml/2011/main" val="1"/>
             </a:ext>
           </a:extLst>
         </p:spPr>
@@ -4587,112 +5378,42 @@
           </a:lstStyle>
           <a:p>
             <a:r>
-              <a:t>Place any information about this point here.</a:t>
-            </a:r>
+              <a:rPr lang="en-US" b="1" dirty="0"/>
+              <a:t>Gender</a:t>
+            </a:r>
+          </a:p>
+          <a:p>
+            <a:pPr marL="285750" indent="-285750">
+              <a:buFont typeface="Arial" panose="020B0604020202020204" pitchFamily="34" charset="0"/>
+              <a:buChar char="•"/>
+            </a:pPr>
+            <a:r>
+              <a:rPr lang="en-US" sz="1200" dirty="0"/>
+              <a:t>Females contributes nearly 50% of the purchase revenue.</a:t>
+            </a:r>
+          </a:p>
+          <a:p>
+            <a:pPr marL="285750" indent="-285750">
+              <a:buFont typeface="Arial" panose="020B0604020202020204" pitchFamily="34" charset="0"/>
+              <a:buChar char="•"/>
+            </a:pPr>
+            <a:r>
+              <a:rPr lang="en-US" sz="1200" dirty="0"/>
+              <a:t>Male contributes approx. 48% of total purchase.</a:t>
+            </a:r>
+          </a:p>
+          <a:p>
+            <a:pPr marL="285750" indent="-285750">
+              <a:buFont typeface="Arial" panose="020B0604020202020204" pitchFamily="34" charset="0"/>
+              <a:buChar char="•"/>
+            </a:pPr>
+            <a:endParaRPr lang="en-US" dirty="0"/>
+          </a:p>
+          <a:p>
+            <a:endParaRPr dirty="0"/>
           </a:p>
         </p:txBody>
       </p:sp>
-      <p:grpSp>
-        <p:nvGrpSpPr>
-          <p:cNvPr id="136" name="Shape 83"/>
-          <p:cNvGrpSpPr/>
-          <p:nvPr/>
-        </p:nvGrpSpPr>
-        <p:grpSpPr>
-          <a:xfrm>
-            <a:off x="4969974" y="2164724"/>
-            <a:ext cx="3800702" cy="2649302"/>
-            <a:chOff x="0" y="0"/>
-            <a:chExt cx="3800700" cy="2649300"/>
-          </a:xfrm>
-        </p:grpSpPr>
-        <p:sp>
-          <p:nvSpPr>
-            <p:cNvPr id="134" name="Rectangle"/>
-            <p:cNvSpPr/>
-            <p:nvPr/>
-          </p:nvSpPr>
-          <p:spPr>
-            <a:xfrm>
-              <a:off x="-1" y="-1"/>
-              <a:ext cx="3800702" cy="2649302"/>
-            </a:xfrm>
-            <a:prstGeom prst="rect">
-              <a:avLst/>
-            </a:prstGeom>
-            <a:solidFill>
-              <a:srgbClr val="EEEEEE"/>
-            </a:solidFill>
-            <a:ln w="12700" cap="flat">
-              <a:noFill/>
-              <a:miter lim="400000"/>
-            </a:ln>
-            <a:effectLst/>
-          </p:spPr>
-          <p:txBody>
-            <a:bodyPr wrap="square" lIns="45719" tIns="45719" rIns="45719" bIns="45719" numCol="1" anchor="ctr">
-              <a:noAutofit/>
-            </a:bodyPr>
-            <a:lstStyle/>
-            <a:p>
-              <a:pPr algn="ctr">
-                <a:defRPr>
-                  <a:solidFill>
-                    <a:srgbClr val="666666"/>
-                  </a:solidFill>
-                </a:defRPr>
-              </a:pPr>
-              <a:endParaRPr/>
-            </a:p>
-          </p:txBody>
-        </p:sp>
-        <p:sp>
-          <p:nvSpPr>
-            <p:cNvPr id="135" name="Place any supporting images, graphs, data or extra text here."/>
-            <p:cNvSpPr/>
-            <p:nvPr/>
-          </p:nvSpPr>
-          <p:spPr>
-            <a:xfrm>
-              <a:off x="-1" y="1032933"/>
-              <a:ext cx="3800702" cy="583434"/>
-            </a:xfrm>
-            <a:prstGeom prst="rect">
-              <a:avLst/>
-            </a:prstGeom>
-            <a:noFill/>
-            <a:ln w="12700" cap="flat">
-              <a:noFill/>
-              <a:miter lim="400000"/>
-            </a:ln>
-            <a:effectLst/>
-            <a:extLst>
-              <a:ext uri="{C572A759-6A51-4108-AA02-DFA0A04FC94B}">
-                <ma14:wrappingTextBoxFlag xmlns:ma14="http://schemas.microsoft.com/office/mac/drawingml/2011/main" xmlns="" val="1"/>
-              </a:ext>
-            </a:extLst>
-          </p:spPr>
-          <p:txBody>
-            <a:bodyPr wrap="square" lIns="91424" tIns="91424" rIns="91424" bIns="91424" numCol="1" anchor="ctr">
-              <a:spAutoFit/>
-            </a:bodyPr>
-            <a:lstStyle>
-              <a:lvl1pPr algn="ctr">
-                <a:defRPr>
-                  <a:solidFill>
-                    <a:srgbClr val="666666"/>
-                  </a:solidFill>
-                </a:defRPr>
-              </a:lvl1pPr>
-            </a:lstStyle>
-            <a:p>
-              <a:r>
-                <a:t>Place any supporting images, graphs, data or extra text here.</a:t>
-              </a:r>
-            </a:p>
-          </p:txBody>
-        </p:sp>
-      </p:grpSp>
       <p:sp>
         <p:nvSpPr>
           <p:cNvPr id="137" name="Note: The data and information in this document is reflective of a hypothetical situation and client. This document is to be used for KPMG Virtual Internship purposes only."/>
@@ -4715,7 +5436,7 @@
           </a:ln>
           <a:extLst>
             <a:ext uri="{C572A759-6A51-4108-AA02-DFA0A04FC94B}">
-              <ma14:wrappingTextBoxFlag xmlns:ma14="http://schemas.microsoft.com/office/mac/drawingml/2011/main" xmlns="" val="1"/>
+              <ma14:wrappingTextBoxFlag xmlns="" xmlns:ma14="http://schemas.microsoft.com/office/mac/drawingml/2011/main" val="1"/>
             </a:ext>
           </a:extLst>
         </p:spPr>
@@ -4738,6 +5459,132 @@
               <a:rPr b="0"/>
               <a:t>The data and information in this document is reflective of a hypothetical situation and client. This document is to be used for KPMG Virtual Internship purposes only. </a:t>
             </a:r>
+          </a:p>
+        </p:txBody>
+      </p:sp>
+      <p:pic>
+        <p:nvPicPr>
+          <p:cNvPr id="2" name="Picture 1"/>
+          <p:cNvPicPr>
+            <a:picLocks noChangeAspect="1"/>
+          </p:cNvPicPr>
+          <p:nvPr/>
+        </p:nvPicPr>
+        <p:blipFill>
+          <a:blip r:embed="rId2"/>
+          <a:stretch>
+            <a:fillRect/>
+          </a:stretch>
+        </p:blipFill>
+        <p:spPr>
+          <a:xfrm>
+            <a:off x="4670851" y="3044078"/>
+            <a:ext cx="4072866" cy="1919194"/>
+          </a:xfrm>
+          <a:prstGeom prst="rect">
+            <a:avLst/>
+          </a:prstGeom>
+          <a:ln w="19050">
+            <a:solidFill>
+              <a:schemeClr val="tx1"/>
+            </a:solidFill>
+          </a:ln>
+        </p:spPr>
+      </p:pic>
+      <p:pic>
+        <p:nvPicPr>
+          <p:cNvPr id="11" name="Picture 10">
+            <a:extLst>
+              <a:ext uri="{FF2B5EF4-FFF2-40B4-BE49-F238E27FC236}">
+                <a16:creationId xmlns:a16="http://schemas.microsoft.com/office/drawing/2014/main" id="{0F94A3D4-F553-40C3-8CDD-00ED6BD634C6}"/>
+              </a:ext>
+            </a:extLst>
+          </p:cNvPr>
+          <p:cNvPicPr>
+            <a:picLocks noChangeAspect="1"/>
+          </p:cNvPicPr>
+          <p:nvPr/>
+        </p:nvPicPr>
+        <p:blipFill>
+          <a:blip r:embed="rId3"/>
+          <a:stretch>
+            <a:fillRect/>
+          </a:stretch>
+        </p:blipFill>
+        <p:spPr>
+          <a:xfrm>
+            <a:off x="4670851" y="915567"/>
+            <a:ext cx="4072866" cy="1944216"/>
+          </a:xfrm>
+          <a:prstGeom prst="rect">
+            <a:avLst/>
+          </a:prstGeom>
+          <a:ln w="19050">
+            <a:solidFill>
+              <a:schemeClr val="tx1"/>
+            </a:solidFill>
+          </a:ln>
+        </p:spPr>
+      </p:pic>
+      <p:sp>
+        <p:nvSpPr>
+          <p:cNvPr id="12" name="Shape 82"/>
+          <p:cNvSpPr/>
+          <p:nvPr/>
+        </p:nvSpPr>
+        <p:spPr>
+          <a:xfrm>
+            <a:off x="353225" y="3147814"/>
+            <a:ext cx="4134600" cy="1352646"/>
+          </a:xfrm>
+          <a:prstGeom prst="rect">
+            <a:avLst/>
+          </a:prstGeom>
+          <a:ln w="12700">
+            <a:miter lim="400000"/>
+          </a:ln>
+          <a:extLst>
+            <a:ext uri="{C572A759-6A51-4108-AA02-DFA0A04FC94B}">
+              <ma14:wrappingTextBoxFlag xmlns="" xmlns:ma14="http://schemas.microsoft.com/office/mac/drawingml/2011/main" val="1"/>
+            </a:ext>
+          </a:extLst>
+        </p:spPr>
+        <p:txBody>
+          <a:bodyPr lIns="91424" tIns="91424" rIns="91424" bIns="91424">
+            <a:spAutoFit/>
+          </a:bodyPr>
+          <a:lstStyle>
+            <a:lvl1pPr>
+              <a:lnSpc>
+                <a:spcPct val="115000"/>
+              </a:lnSpc>
+              <a:defRPr sz="1500">
+                <a:latin typeface="Open Sans"/>
+                <a:ea typeface="Open Sans"/>
+                <a:cs typeface="Open Sans"/>
+                <a:sym typeface="Open Sans"/>
+              </a:defRPr>
+            </a:lvl1pPr>
+          </a:lstStyle>
+          <a:p>
+            <a:r>
+              <a:rPr lang="en-US" b="1" dirty="0"/>
+              <a:t>Age Buckets</a:t>
+            </a:r>
+          </a:p>
+          <a:p>
+            <a:pPr marL="285750" indent="-285750" algn="just">
+              <a:buFont typeface="Arial" panose="020B0604020202020204" pitchFamily="34" charset="0"/>
+              <a:buChar char="•"/>
+            </a:pPr>
+            <a:r>
+              <a:rPr lang="en-US" sz="1200" dirty="0"/>
+              <a:t>Age group of 41-50 makes up 34% of the total purchase as well as contributes the same toward profit.</a:t>
+            </a:r>
+            <a:endParaRPr lang="en-US" dirty="0"/>
+          </a:p>
+          <a:p>
+            <a:endParaRPr dirty="0"/>
           </a:p>
         </p:txBody>
       </p:sp>
@@ -4769,7 +5616,7 @@
       </p:grpSpPr>
       <p:sp>
         <p:nvSpPr>
-          <p:cNvPr id="139" name="Shape 88"/>
+          <p:cNvPr id="130" name="Shape 79"/>
           <p:cNvSpPr/>
           <p:nvPr/>
         </p:nvSpPr>
@@ -4806,7 +5653,7 @@
       </p:sp>
       <p:sp>
         <p:nvSpPr>
-          <p:cNvPr id="140" name="Shape 89"/>
+          <p:cNvPr id="131" name="Shape 80"/>
           <p:cNvSpPr/>
           <p:nvPr/>
         </p:nvSpPr>
@@ -4823,7 +5670,7 @@
           </a:ln>
           <a:extLst>
             <a:ext uri="{C572A759-6A51-4108-AA02-DFA0A04FC94B}">
-              <ma14:wrappingTextBoxFlag xmlns:ma14="http://schemas.microsoft.com/office/mac/drawingml/2011/main" xmlns="" val="1"/>
+              <ma14:wrappingTextBoxFlag xmlns="" xmlns:ma14="http://schemas.microsoft.com/office/mac/drawingml/2011/main" val="1"/>
             </a:ext>
           </a:extLst>
         </p:spPr>
@@ -4842,6 +5689,1081 @@
           </a:lstStyle>
           <a:p>
             <a:r>
+              <a:t>Data Exploration</a:t>
+            </a:r>
+          </a:p>
+        </p:txBody>
+      </p:sp>
+      <p:sp>
+        <p:nvSpPr>
+          <p:cNvPr id="133" name="Shape 82"/>
+          <p:cNvSpPr/>
+          <p:nvPr/>
+        </p:nvSpPr>
+        <p:spPr>
+          <a:xfrm>
+            <a:off x="230766" y="1078623"/>
+            <a:ext cx="4134600" cy="1087188"/>
+          </a:xfrm>
+          <a:prstGeom prst="rect">
+            <a:avLst/>
+          </a:prstGeom>
+          <a:ln w="12700">
+            <a:miter lim="400000"/>
+          </a:ln>
+          <a:extLst>
+            <a:ext uri="{C572A759-6A51-4108-AA02-DFA0A04FC94B}">
+              <ma14:wrappingTextBoxFlag xmlns="" xmlns:ma14="http://schemas.microsoft.com/office/mac/drawingml/2011/main" val="1"/>
+            </a:ext>
+          </a:extLst>
+        </p:spPr>
+        <p:txBody>
+          <a:bodyPr lIns="91424" tIns="91424" rIns="91424" bIns="91424">
+            <a:spAutoFit/>
+          </a:bodyPr>
+          <a:lstStyle>
+            <a:lvl1pPr>
+              <a:lnSpc>
+                <a:spcPct val="115000"/>
+              </a:lnSpc>
+              <a:defRPr sz="1500">
+                <a:latin typeface="Open Sans"/>
+                <a:ea typeface="Open Sans"/>
+                <a:cs typeface="Open Sans"/>
+                <a:sym typeface="Open Sans"/>
+              </a:defRPr>
+            </a:lvl1pPr>
+          </a:lstStyle>
+          <a:p>
+            <a:r>
+              <a:rPr lang="en-US" b="1" dirty="0"/>
+              <a:t>Brand</a:t>
+            </a:r>
+          </a:p>
+          <a:p>
+            <a:pPr marL="285750" indent="-285750" algn="just">
+              <a:buFont typeface="Arial" panose="020B0604020202020204" pitchFamily="34" charset="0"/>
+              <a:buChar char="•"/>
+            </a:pPr>
+            <a:r>
+              <a:rPr lang="en-US" sz="1200" dirty="0" err="1"/>
+              <a:t>Solex</a:t>
+            </a:r>
+            <a:r>
+              <a:rPr lang="en-US" sz="1200" dirty="0"/>
+              <a:t> and </a:t>
+            </a:r>
+            <a:r>
+              <a:rPr lang="en-US" sz="1200" dirty="0"/>
+              <a:t>WeareA2B are two main contributors towards profit generation for </a:t>
+            </a:r>
+            <a:r>
+              <a:rPr lang="en-IN" sz="1200" dirty="0"/>
+              <a:t>Sprocket Central Pty Ltd, contributing 22% and 25% respectively.</a:t>
+            </a:r>
+          </a:p>
+        </p:txBody>
+      </p:sp>
+      <p:sp>
+        <p:nvSpPr>
+          <p:cNvPr id="137" name="Note: The data and information in this document is reflective of a hypothetical situation and client. This document is to be used for KPMG Virtual Internship purposes only."/>
+          <p:cNvSpPr/>
+          <p:nvPr/>
+        </p:nvSpPr>
+        <p:spPr>
+          <a:xfrm>
+            <a:off x="-6201" y="-6350"/>
+            <a:ext cx="9175601" cy="238700"/>
+          </a:xfrm>
+          <a:prstGeom prst="rect">
+            <a:avLst/>
+          </a:prstGeom>
+          <a:solidFill>
+            <a:schemeClr val="accent3"/>
+          </a:solidFill>
+          <a:ln w="12700">
+            <a:miter lim="400000"/>
+          </a:ln>
+          <a:extLst>
+            <a:ext uri="{C572A759-6A51-4108-AA02-DFA0A04FC94B}">
+              <ma14:wrappingTextBoxFlag xmlns="" xmlns:ma14="http://schemas.microsoft.com/office/mac/drawingml/2011/main" val="1"/>
+            </a:ext>
+          </a:extLst>
+        </p:spPr>
+        <p:txBody>
+          <a:bodyPr lIns="45719" rIns="45719" anchor="ctr"/>
+          <a:lstStyle/>
+          <a:p>
+            <a:pPr defTabSz="457200">
+              <a:defRPr sz="500" b="1">
+                <a:latin typeface="Calibri"/>
+                <a:ea typeface="Calibri"/>
+                <a:cs typeface="Calibri"/>
+                <a:sym typeface="Calibri"/>
+              </a:defRPr>
+            </a:pPr>
+            <a:r>
+              <a:t>       Note: </a:t>
+            </a:r>
+            <a:r>
+              <a:rPr b="0"/>
+              <a:t>The data and information in this document is reflective of a hypothetical situation and client. This document is to be used for KPMG Virtual Internship purposes only. </a:t>
+            </a:r>
+          </a:p>
+        </p:txBody>
+      </p:sp>
+      <p:sp>
+        <p:nvSpPr>
+          <p:cNvPr id="12" name="Shape 82"/>
+          <p:cNvSpPr/>
+          <p:nvPr/>
+        </p:nvSpPr>
+        <p:spPr>
+          <a:xfrm>
+            <a:off x="353225" y="3147814"/>
+            <a:ext cx="4134600" cy="1140280"/>
+          </a:xfrm>
+          <a:prstGeom prst="rect">
+            <a:avLst/>
+          </a:prstGeom>
+          <a:ln w="12700">
+            <a:miter lim="400000"/>
+          </a:ln>
+          <a:extLst>
+            <a:ext uri="{C572A759-6A51-4108-AA02-DFA0A04FC94B}">
+              <ma14:wrappingTextBoxFlag xmlns="" xmlns:ma14="http://schemas.microsoft.com/office/mac/drawingml/2011/main" val="1"/>
+            </a:ext>
+          </a:extLst>
+        </p:spPr>
+        <p:txBody>
+          <a:bodyPr lIns="91424" tIns="91424" rIns="91424" bIns="91424">
+            <a:spAutoFit/>
+          </a:bodyPr>
+          <a:lstStyle>
+            <a:lvl1pPr>
+              <a:lnSpc>
+                <a:spcPct val="115000"/>
+              </a:lnSpc>
+              <a:defRPr sz="1500">
+                <a:latin typeface="Open Sans"/>
+                <a:ea typeface="Open Sans"/>
+                <a:cs typeface="Open Sans"/>
+                <a:sym typeface="Open Sans"/>
+              </a:defRPr>
+            </a:lvl1pPr>
+          </a:lstStyle>
+          <a:p>
+            <a:r>
+              <a:rPr lang="en-US" b="1" dirty="0"/>
+              <a:t>Product Line</a:t>
+            </a:r>
+          </a:p>
+          <a:p>
+            <a:pPr marL="285750" indent="-285750">
+              <a:buFont typeface="Arial" panose="020B0604020202020204" pitchFamily="34" charset="0"/>
+              <a:buChar char="•"/>
+            </a:pPr>
+            <a:r>
+              <a:rPr lang="en-US" sz="1200" dirty="0"/>
+              <a:t>Nearly 75% of the customer buy the standard of bicycle.</a:t>
+            </a:r>
+            <a:endParaRPr lang="en-US" dirty="0"/>
+          </a:p>
+          <a:p>
+            <a:endParaRPr dirty="0"/>
+          </a:p>
+        </p:txBody>
+      </p:sp>
+      <p:pic>
+        <p:nvPicPr>
+          <p:cNvPr id="9" name="Picture 8">
+            <a:extLst>
+              <a:ext uri="{FF2B5EF4-FFF2-40B4-BE49-F238E27FC236}">
+                <a16:creationId xmlns:a16="http://schemas.microsoft.com/office/drawing/2014/main" id="{01565875-D00B-42A0-AC72-140E22DF09CC}"/>
+              </a:ext>
+            </a:extLst>
+          </p:cNvPr>
+          <p:cNvPicPr>
+            <a:picLocks noChangeAspect="1"/>
+          </p:cNvPicPr>
+          <p:nvPr/>
+        </p:nvPicPr>
+        <p:blipFill>
+          <a:blip r:embed="rId2"/>
+          <a:stretch>
+            <a:fillRect/>
+          </a:stretch>
+        </p:blipFill>
+        <p:spPr>
+          <a:xfrm>
+            <a:off x="4654837" y="878560"/>
+            <a:ext cx="4088880" cy="2069191"/>
+          </a:xfrm>
+          <a:prstGeom prst="rect">
+            <a:avLst/>
+          </a:prstGeom>
+          <a:ln w="19050">
+            <a:solidFill>
+              <a:schemeClr val="tx1"/>
+            </a:solidFill>
+          </a:ln>
+        </p:spPr>
+      </p:pic>
+      <p:pic>
+        <p:nvPicPr>
+          <p:cNvPr id="10" name="Picture 9">
+            <a:extLst>
+              <a:ext uri="{FF2B5EF4-FFF2-40B4-BE49-F238E27FC236}">
+                <a16:creationId xmlns:a16="http://schemas.microsoft.com/office/drawing/2014/main" id="{9E8E38CC-FC2E-4BA3-BF4A-51FDFDFE1842}"/>
+              </a:ext>
+            </a:extLst>
+          </p:cNvPr>
+          <p:cNvPicPr>
+            <a:picLocks noChangeAspect="1"/>
+          </p:cNvPicPr>
+          <p:nvPr/>
+        </p:nvPicPr>
+        <p:blipFill>
+          <a:blip r:embed="rId3"/>
+          <a:stretch>
+            <a:fillRect/>
+          </a:stretch>
+        </p:blipFill>
+        <p:spPr>
+          <a:xfrm>
+            <a:off x="4654837" y="3005786"/>
+            <a:ext cx="4088880" cy="2016224"/>
+          </a:xfrm>
+          <a:prstGeom prst="rect">
+            <a:avLst/>
+          </a:prstGeom>
+          <a:ln w="19050">
+            <a:solidFill>
+              <a:schemeClr val="tx1"/>
+            </a:solidFill>
+          </a:ln>
+        </p:spPr>
+      </p:pic>
+    </p:spTree>
+    <p:extLst>
+      <p:ext uri="{BB962C8B-B14F-4D97-AF65-F5344CB8AC3E}">
+        <p14:creationId xmlns:p14="http://schemas.microsoft.com/office/powerpoint/2010/main" val="2338767465"/>
+      </p:ext>
+    </p:extLst>
+  </p:cSld>
+  <p:clrMapOvr>
+    <a:masterClrMapping/>
+  </p:clrMapOvr>
+  <p:transition spd="med"/>
+</p:sld>
+</file>
+
+<file path=ppt/slides/slide7.xml><?xml version="1.0" encoding="utf-8"?>
+<p:sld xmlns:a="http://schemas.openxmlformats.org/drawingml/2006/main" xmlns:r="http://schemas.openxmlformats.org/officeDocument/2006/relationships" xmlns:p="http://schemas.openxmlformats.org/presentationml/2006/main">
+  <p:cSld>
+    <p:spTree>
+      <p:nvGrpSpPr>
+        <p:cNvPr id="1" name=""/>
+        <p:cNvGrpSpPr/>
+        <p:nvPr/>
+      </p:nvGrpSpPr>
+      <p:grpSpPr>
+        <a:xfrm>
+          <a:off x="0" y="0"/>
+          <a:ext cx="0" cy="0"/>
+          <a:chOff x="0" y="0"/>
+          <a:chExt cx="0" cy="0"/>
+        </a:xfrm>
+      </p:grpSpPr>
+      <p:sp>
+        <p:nvSpPr>
+          <p:cNvPr id="130" name="Shape 79"/>
+          <p:cNvSpPr/>
+          <p:nvPr/>
+        </p:nvSpPr>
+        <p:spPr>
+          <a:xfrm>
+            <a:off x="-15501" y="-19475"/>
+            <a:ext cx="9191402" cy="840000"/>
+          </a:xfrm>
+          <a:prstGeom prst="rect">
+            <a:avLst/>
+          </a:prstGeom>
+          <a:gradFill>
+            <a:gsLst>
+              <a:gs pos="0">
+                <a:srgbClr val="1077D2"/>
+              </a:gs>
+              <a:gs pos="100000">
+                <a:srgbClr val="093153"/>
+              </a:gs>
+            </a:gsLst>
+            <a:lin ang="12000143"/>
+          </a:gradFill>
+          <a:ln w="12700">
+            <a:miter lim="400000"/>
+          </a:ln>
+        </p:spPr>
+        <p:txBody>
+          <a:bodyPr lIns="45719" rIns="45719" anchor="ctr"/>
+          <a:lstStyle/>
+          <a:p>
+            <a:endParaRPr/>
+          </a:p>
+        </p:txBody>
+      </p:sp>
+      <p:sp>
+        <p:nvSpPr>
+          <p:cNvPr id="131" name="Shape 80"/>
+          <p:cNvSpPr/>
+          <p:nvPr/>
+        </p:nvSpPr>
+        <p:spPr>
+          <a:xfrm>
+            <a:off x="205025" y="263974"/>
+            <a:ext cx="8565600" cy="466642"/>
+          </a:xfrm>
+          <a:prstGeom prst="rect">
+            <a:avLst/>
+          </a:prstGeom>
+          <a:ln w="12700">
+            <a:miter lim="400000"/>
+          </a:ln>
+          <a:extLst>
+            <a:ext uri="{C572A759-6A51-4108-AA02-DFA0A04FC94B}">
+              <ma14:wrappingTextBoxFlag xmlns="" xmlns:ma14="http://schemas.microsoft.com/office/mac/drawingml/2011/main" val="1"/>
+            </a:ext>
+          </a:extLst>
+        </p:spPr>
+        <p:txBody>
+          <a:bodyPr lIns="91424" tIns="91424" rIns="91424" bIns="91424">
+            <a:spAutoFit/>
+          </a:bodyPr>
+          <a:lstStyle>
+            <a:lvl1pPr>
+              <a:defRPr sz="2000" b="1">
+                <a:solidFill>
+                  <a:srgbClr val="FFFFFF"/>
+                </a:solidFill>
+              </a:defRPr>
+            </a:lvl1pPr>
+          </a:lstStyle>
+          <a:p>
+            <a:r>
+              <a:t>Data Exploration</a:t>
+            </a:r>
+          </a:p>
+        </p:txBody>
+      </p:sp>
+      <p:sp>
+        <p:nvSpPr>
+          <p:cNvPr id="133" name="Shape 82"/>
+          <p:cNvSpPr/>
+          <p:nvPr/>
+        </p:nvSpPr>
+        <p:spPr>
+          <a:xfrm>
+            <a:off x="230766" y="1078623"/>
+            <a:ext cx="4134600" cy="1618103"/>
+          </a:xfrm>
+          <a:prstGeom prst="rect">
+            <a:avLst/>
+          </a:prstGeom>
+          <a:ln w="12700">
+            <a:miter lim="400000"/>
+          </a:ln>
+          <a:extLst>
+            <a:ext uri="{C572A759-6A51-4108-AA02-DFA0A04FC94B}">
+              <ma14:wrappingTextBoxFlag xmlns="" xmlns:ma14="http://schemas.microsoft.com/office/mac/drawingml/2011/main" val="1"/>
+            </a:ext>
+          </a:extLst>
+        </p:spPr>
+        <p:txBody>
+          <a:bodyPr lIns="91424" tIns="91424" rIns="91424" bIns="91424">
+            <a:spAutoFit/>
+          </a:bodyPr>
+          <a:lstStyle>
+            <a:lvl1pPr>
+              <a:lnSpc>
+                <a:spcPct val="115000"/>
+              </a:lnSpc>
+              <a:defRPr sz="1500">
+                <a:latin typeface="Open Sans"/>
+                <a:ea typeface="Open Sans"/>
+                <a:cs typeface="Open Sans"/>
+                <a:sym typeface="Open Sans"/>
+              </a:defRPr>
+            </a:lvl1pPr>
+          </a:lstStyle>
+          <a:p>
+            <a:r>
+              <a:rPr lang="en-US" b="1" dirty="0"/>
+              <a:t>Job Industry</a:t>
+            </a:r>
+          </a:p>
+          <a:p>
+            <a:pPr marL="285750" indent="-285750">
+              <a:buFont typeface="Arial" panose="020B0604020202020204" pitchFamily="34" charset="0"/>
+              <a:buChar char="•"/>
+            </a:pPr>
+            <a:r>
+              <a:rPr lang="en-US" sz="1200" dirty="0"/>
+              <a:t>Customers from Financial Services and Manufacturing both contributes nearly 24% towards profit generation for </a:t>
+            </a:r>
+            <a:r>
+              <a:rPr lang="en-IN" sz="1200" dirty="0"/>
+              <a:t>Sprocket Central Pty Ltd.</a:t>
+            </a:r>
+            <a:endParaRPr lang="en-US" sz="1200" dirty="0"/>
+          </a:p>
+          <a:p>
+            <a:pPr marL="285750" indent="-285750">
+              <a:buFont typeface="Arial" panose="020B0604020202020204" pitchFamily="34" charset="0"/>
+              <a:buChar char="•"/>
+            </a:pPr>
+            <a:endParaRPr lang="en-US" dirty="0"/>
+          </a:p>
+          <a:p>
+            <a:endParaRPr dirty="0"/>
+          </a:p>
+        </p:txBody>
+      </p:sp>
+      <p:sp>
+        <p:nvSpPr>
+          <p:cNvPr id="137" name="Note: The data and information in this document is reflective of a hypothetical situation and client. This document is to be used for KPMG Virtual Internship purposes only."/>
+          <p:cNvSpPr/>
+          <p:nvPr/>
+        </p:nvSpPr>
+        <p:spPr>
+          <a:xfrm>
+            <a:off x="-6201" y="-6350"/>
+            <a:ext cx="9175601" cy="238700"/>
+          </a:xfrm>
+          <a:prstGeom prst="rect">
+            <a:avLst/>
+          </a:prstGeom>
+          <a:solidFill>
+            <a:schemeClr val="accent3"/>
+          </a:solidFill>
+          <a:ln w="12700">
+            <a:miter lim="400000"/>
+          </a:ln>
+          <a:extLst>
+            <a:ext uri="{C572A759-6A51-4108-AA02-DFA0A04FC94B}">
+              <ma14:wrappingTextBoxFlag xmlns="" xmlns:ma14="http://schemas.microsoft.com/office/mac/drawingml/2011/main" val="1"/>
+            </a:ext>
+          </a:extLst>
+        </p:spPr>
+        <p:txBody>
+          <a:bodyPr lIns="45719" rIns="45719" anchor="ctr"/>
+          <a:lstStyle/>
+          <a:p>
+            <a:pPr defTabSz="457200">
+              <a:defRPr sz="500" b="1">
+                <a:latin typeface="Calibri"/>
+                <a:ea typeface="Calibri"/>
+                <a:cs typeface="Calibri"/>
+                <a:sym typeface="Calibri"/>
+              </a:defRPr>
+            </a:pPr>
+            <a:r>
+              <a:t>       Note: </a:t>
+            </a:r>
+            <a:r>
+              <a:rPr b="0"/>
+              <a:t>The data and information in this document is reflective of a hypothetical situation and client. This document is to be used for KPMG Virtual Internship purposes only. </a:t>
+            </a:r>
+          </a:p>
+        </p:txBody>
+      </p:sp>
+      <p:sp>
+        <p:nvSpPr>
+          <p:cNvPr id="12" name="Shape 82"/>
+          <p:cNvSpPr/>
+          <p:nvPr/>
+        </p:nvSpPr>
+        <p:spPr>
+          <a:xfrm>
+            <a:off x="353225" y="3147814"/>
+            <a:ext cx="4134600" cy="1140280"/>
+          </a:xfrm>
+          <a:prstGeom prst="rect">
+            <a:avLst/>
+          </a:prstGeom>
+          <a:ln w="12700">
+            <a:miter lim="400000"/>
+          </a:ln>
+          <a:extLst>
+            <a:ext uri="{C572A759-6A51-4108-AA02-DFA0A04FC94B}">
+              <ma14:wrappingTextBoxFlag xmlns="" xmlns:ma14="http://schemas.microsoft.com/office/mac/drawingml/2011/main" val="1"/>
+            </a:ext>
+          </a:extLst>
+        </p:spPr>
+        <p:txBody>
+          <a:bodyPr lIns="91424" tIns="91424" rIns="91424" bIns="91424">
+            <a:spAutoFit/>
+          </a:bodyPr>
+          <a:lstStyle>
+            <a:lvl1pPr>
+              <a:lnSpc>
+                <a:spcPct val="115000"/>
+              </a:lnSpc>
+              <a:defRPr sz="1500">
+                <a:latin typeface="Open Sans"/>
+                <a:ea typeface="Open Sans"/>
+                <a:cs typeface="Open Sans"/>
+                <a:sym typeface="Open Sans"/>
+              </a:defRPr>
+            </a:lvl1pPr>
+          </a:lstStyle>
+          <a:p>
+            <a:r>
+              <a:rPr lang="en-US" b="1" dirty="0"/>
+              <a:t>Wealth Segment</a:t>
+            </a:r>
+          </a:p>
+          <a:p>
+            <a:pPr marL="285750" indent="-285750">
+              <a:buFont typeface="Arial" panose="020B0604020202020204" pitchFamily="34" charset="0"/>
+              <a:buChar char="•"/>
+            </a:pPr>
+            <a:r>
+              <a:rPr lang="en-US" sz="1200" dirty="0"/>
+              <a:t>Mass Customer contributes nearly 50 % of profit generation.</a:t>
+            </a:r>
+            <a:endParaRPr lang="en-US" dirty="0"/>
+          </a:p>
+          <a:p>
+            <a:endParaRPr dirty="0"/>
+          </a:p>
+        </p:txBody>
+      </p:sp>
+      <p:pic>
+        <p:nvPicPr>
+          <p:cNvPr id="9" name="Picture 8">
+            <a:extLst>
+              <a:ext uri="{FF2B5EF4-FFF2-40B4-BE49-F238E27FC236}">
+                <a16:creationId xmlns:a16="http://schemas.microsoft.com/office/drawing/2014/main" id="{478CC913-4AFA-464A-91FC-AA2BBC77F124}"/>
+              </a:ext>
+            </a:extLst>
+          </p:cNvPr>
+          <p:cNvPicPr>
+            <a:picLocks noChangeAspect="1"/>
+          </p:cNvPicPr>
+          <p:nvPr/>
+        </p:nvPicPr>
+        <p:blipFill>
+          <a:blip r:embed="rId2"/>
+          <a:stretch>
+            <a:fillRect/>
+          </a:stretch>
+        </p:blipFill>
+        <p:spPr>
+          <a:xfrm>
+            <a:off x="4650397" y="927310"/>
+            <a:ext cx="4120228" cy="1932472"/>
+          </a:xfrm>
+          <a:prstGeom prst="rect">
+            <a:avLst/>
+          </a:prstGeom>
+          <a:ln w="19050">
+            <a:solidFill>
+              <a:schemeClr val="tx1"/>
+            </a:solidFill>
+          </a:ln>
+        </p:spPr>
+      </p:pic>
+      <p:pic>
+        <p:nvPicPr>
+          <p:cNvPr id="10" name="Picture 9">
+            <a:extLst>
+              <a:ext uri="{FF2B5EF4-FFF2-40B4-BE49-F238E27FC236}">
+                <a16:creationId xmlns:a16="http://schemas.microsoft.com/office/drawing/2014/main" id="{F922A3B5-783D-4428-85D1-974FF0099D57}"/>
+              </a:ext>
+            </a:extLst>
+          </p:cNvPr>
+          <p:cNvPicPr>
+            <a:picLocks noChangeAspect="1"/>
+          </p:cNvPicPr>
+          <p:nvPr/>
+        </p:nvPicPr>
+        <p:blipFill>
+          <a:blip r:embed="rId3"/>
+          <a:stretch>
+            <a:fillRect/>
+          </a:stretch>
+        </p:blipFill>
+        <p:spPr>
+          <a:xfrm>
+            <a:off x="4626638" y="2966567"/>
+            <a:ext cx="4143988" cy="1932472"/>
+          </a:xfrm>
+          <a:prstGeom prst="rect">
+            <a:avLst/>
+          </a:prstGeom>
+          <a:ln w="19050">
+            <a:solidFill>
+              <a:schemeClr val="tx1"/>
+            </a:solidFill>
+          </a:ln>
+        </p:spPr>
+      </p:pic>
+    </p:spTree>
+    <p:extLst>
+      <p:ext uri="{BB962C8B-B14F-4D97-AF65-F5344CB8AC3E}">
+        <p14:creationId xmlns:p14="http://schemas.microsoft.com/office/powerpoint/2010/main" val="2449239081"/>
+      </p:ext>
+    </p:extLst>
+  </p:cSld>
+  <p:clrMapOvr>
+    <a:masterClrMapping/>
+  </p:clrMapOvr>
+  <p:transition spd="med"/>
+</p:sld>
+</file>
+
+<file path=ppt/slides/slide8.xml><?xml version="1.0" encoding="utf-8"?>
+<p:sld xmlns:a="http://schemas.openxmlformats.org/drawingml/2006/main" xmlns:r="http://schemas.openxmlformats.org/officeDocument/2006/relationships" xmlns:p="http://schemas.openxmlformats.org/presentationml/2006/main">
+  <p:cSld>
+    <p:spTree>
+      <p:nvGrpSpPr>
+        <p:cNvPr id="1" name=""/>
+        <p:cNvGrpSpPr/>
+        <p:nvPr/>
+      </p:nvGrpSpPr>
+      <p:grpSpPr>
+        <a:xfrm>
+          <a:off x="0" y="0"/>
+          <a:ext cx="0" cy="0"/>
+          <a:chOff x="0" y="0"/>
+          <a:chExt cx="0" cy="0"/>
+        </a:xfrm>
+      </p:grpSpPr>
+      <p:sp>
+        <p:nvSpPr>
+          <p:cNvPr id="130" name="Shape 79"/>
+          <p:cNvSpPr/>
+          <p:nvPr/>
+        </p:nvSpPr>
+        <p:spPr>
+          <a:xfrm>
+            <a:off x="-15501" y="-19475"/>
+            <a:ext cx="9191402" cy="840000"/>
+          </a:xfrm>
+          <a:prstGeom prst="rect">
+            <a:avLst/>
+          </a:prstGeom>
+          <a:gradFill>
+            <a:gsLst>
+              <a:gs pos="0">
+                <a:srgbClr val="1077D2"/>
+              </a:gs>
+              <a:gs pos="100000">
+                <a:srgbClr val="093153"/>
+              </a:gs>
+            </a:gsLst>
+            <a:lin ang="12000143"/>
+          </a:gradFill>
+          <a:ln w="12700">
+            <a:miter lim="400000"/>
+          </a:ln>
+        </p:spPr>
+        <p:txBody>
+          <a:bodyPr lIns="45719" rIns="45719" anchor="ctr"/>
+          <a:lstStyle/>
+          <a:p>
+            <a:endParaRPr/>
+          </a:p>
+        </p:txBody>
+      </p:sp>
+      <p:sp>
+        <p:nvSpPr>
+          <p:cNvPr id="131" name="Shape 80"/>
+          <p:cNvSpPr/>
+          <p:nvPr/>
+        </p:nvSpPr>
+        <p:spPr>
+          <a:xfrm>
+            <a:off x="205025" y="263974"/>
+            <a:ext cx="8565600" cy="466642"/>
+          </a:xfrm>
+          <a:prstGeom prst="rect">
+            <a:avLst/>
+          </a:prstGeom>
+          <a:ln w="12700">
+            <a:miter lim="400000"/>
+          </a:ln>
+          <a:extLst>
+            <a:ext uri="{C572A759-6A51-4108-AA02-DFA0A04FC94B}">
+              <ma14:wrappingTextBoxFlag xmlns="" xmlns:ma14="http://schemas.microsoft.com/office/mac/drawingml/2011/main" val="1"/>
+            </a:ext>
+          </a:extLst>
+        </p:spPr>
+        <p:txBody>
+          <a:bodyPr lIns="91424" tIns="91424" rIns="91424" bIns="91424">
+            <a:spAutoFit/>
+          </a:bodyPr>
+          <a:lstStyle>
+            <a:lvl1pPr>
+              <a:defRPr sz="2000" b="1">
+                <a:solidFill>
+                  <a:srgbClr val="FFFFFF"/>
+                </a:solidFill>
+              </a:defRPr>
+            </a:lvl1pPr>
+          </a:lstStyle>
+          <a:p>
+            <a:r>
+              <a:t>Data Exploration</a:t>
+            </a:r>
+          </a:p>
+        </p:txBody>
+      </p:sp>
+      <p:sp>
+        <p:nvSpPr>
+          <p:cNvPr id="133" name="Shape 82"/>
+          <p:cNvSpPr/>
+          <p:nvPr/>
+        </p:nvSpPr>
+        <p:spPr>
+          <a:xfrm>
+            <a:off x="230766" y="1078623"/>
+            <a:ext cx="4134600" cy="1140280"/>
+          </a:xfrm>
+          <a:prstGeom prst="rect">
+            <a:avLst/>
+          </a:prstGeom>
+          <a:ln w="12700">
+            <a:miter lim="400000"/>
+          </a:ln>
+          <a:extLst>
+            <a:ext uri="{C572A759-6A51-4108-AA02-DFA0A04FC94B}">
+              <ma14:wrappingTextBoxFlag xmlns="" xmlns:ma14="http://schemas.microsoft.com/office/mac/drawingml/2011/main" val="1"/>
+            </a:ext>
+          </a:extLst>
+        </p:spPr>
+        <p:txBody>
+          <a:bodyPr lIns="91424" tIns="91424" rIns="91424" bIns="91424">
+            <a:spAutoFit/>
+          </a:bodyPr>
+          <a:lstStyle>
+            <a:lvl1pPr>
+              <a:lnSpc>
+                <a:spcPct val="115000"/>
+              </a:lnSpc>
+              <a:defRPr sz="1500">
+                <a:latin typeface="Open Sans"/>
+                <a:ea typeface="Open Sans"/>
+                <a:cs typeface="Open Sans"/>
+                <a:sym typeface="Open Sans"/>
+              </a:defRPr>
+            </a:lvl1pPr>
+          </a:lstStyle>
+          <a:p>
+            <a:r>
+              <a:rPr lang="en-US" b="1" dirty="0"/>
+              <a:t>Mode of Transaction</a:t>
+            </a:r>
+          </a:p>
+          <a:p>
+            <a:pPr marL="285750" indent="-285750">
+              <a:buFont typeface="Arial" panose="020B0604020202020204" pitchFamily="34" charset="0"/>
+              <a:buChar char="•"/>
+            </a:pPr>
+            <a:r>
+              <a:rPr lang="en-US" sz="1200" dirty="0"/>
+              <a:t>Online Transaction generates more profit for </a:t>
+            </a:r>
+            <a:r>
+              <a:rPr lang="en-IN" sz="1200" dirty="0"/>
+              <a:t>Sprocket Central Pty Ltd than other modes of transaction.</a:t>
+            </a:r>
+            <a:endParaRPr lang="en-US" sz="1200" dirty="0"/>
+          </a:p>
+          <a:p>
+            <a:endParaRPr dirty="0"/>
+          </a:p>
+        </p:txBody>
+      </p:sp>
+      <p:sp>
+        <p:nvSpPr>
+          <p:cNvPr id="137" name="Note: The data and information in this document is reflective of a hypothetical situation and client. This document is to be used for KPMG Virtual Internship purposes only."/>
+          <p:cNvSpPr/>
+          <p:nvPr/>
+        </p:nvSpPr>
+        <p:spPr>
+          <a:xfrm>
+            <a:off x="-6201" y="-6350"/>
+            <a:ext cx="9175601" cy="238700"/>
+          </a:xfrm>
+          <a:prstGeom prst="rect">
+            <a:avLst/>
+          </a:prstGeom>
+          <a:solidFill>
+            <a:schemeClr val="accent3"/>
+          </a:solidFill>
+          <a:ln w="12700">
+            <a:miter lim="400000"/>
+          </a:ln>
+          <a:extLst>
+            <a:ext uri="{C572A759-6A51-4108-AA02-DFA0A04FC94B}">
+              <ma14:wrappingTextBoxFlag xmlns="" xmlns:ma14="http://schemas.microsoft.com/office/mac/drawingml/2011/main" val="1"/>
+            </a:ext>
+          </a:extLst>
+        </p:spPr>
+        <p:txBody>
+          <a:bodyPr lIns="45719" rIns="45719" anchor="ctr"/>
+          <a:lstStyle/>
+          <a:p>
+            <a:pPr defTabSz="457200">
+              <a:defRPr sz="500" b="1">
+                <a:latin typeface="Calibri"/>
+                <a:ea typeface="Calibri"/>
+                <a:cs typeface="Calibri"/>
+                <a:sym typeface="Calibri"/>
+              </a:defRPr>
+            </a:pPr>
+            <a:r>
+              <a:t>       Note: </a:t>
+            </a:r>
+            <a:r>
+              <a:rPr b="0"/>
+              <a:t>The data and information in this document is reflective of a hypothetical situation and client. This document is to be used for KPMG Virtual Internship purposes only. </a:t>
+            </a:r>
+          </a:p>
+        </p:txBody>
+      </p:sp>
+      <p:pic>
+        <p:nvPicPr>
+          <p:cNvPr id="11" name="Picture 10">
+            <a:extLst>
+              <a:ext uri="{FF2B5EF4-FFF2-40B4-BE49-F238E27FC236}">
+                <a16:creationId xmlns:a16="http://schemas.microsoft.com/office/drawing/2014/main" id="{F7524B87-F6AB-4A10-9942-D6E41287D9C8}"/>
+              </a:ext>
+            </a:extLst>
+          </p:cNvPr>
+          <p:cNvPicPr>
+            <a:picLocks noChangeAspect="1"/>
+          </p:cNvPicPr>
+          <p:nvPr/>
+        </p:nvPicPr>
+        <p:blipFill>
+          <a:blip r:embed="rId2"/>
+          <a:stretch>
+            <a:fillRect/>
+          </a:stretch>
+        </p:blipFill>
+        <p:spPr>
+          <a:xfrm>
+            <a:off x="4394844" y="932031"/>
+            <a:ext cx="4584589" cy="1927751"/>
+          </a:xfrm>
+          <a:prstGeom prst="rect">
+            <a:avLst/>
+          </a:prstGeom>
+          <a:ln w="19050">
+            <a:solidFill>
+              <a:schemeClr val="tx1"/>
+            </a:solidFill>
+          </a:ln>
+        </p:spPr>
+      </p:pic>
+      <p:pic>
+        <p:nvPicPr>
+          <p:cNvPr id="2" name="Picture 1"/>
+          <p:cNvPicPr>
+            <a:picLocks noChangeAspect="1"/>
+          </p:cNvPicPr>
+          <p:nvPr/>
+        </p:nvPicPr>
+        <p:blipFill>
+          <a:blip r:embed="rId3"/>
+          <a:stretch>
+            <a:fillRect/>
+          </a:stretch>
+        </p:blipFill>
+        <p:spPr>
+          <a:xfrm>
+            <a:off x="4365366" y="2971288"/>
+            <a:ext cx="4614067" cy="2048734"/>
+          </a:xfrm>
+          <a:prstGeom prst="rect">
+            <a:avLst/>
+          </a:prstGeom>
+          <a:ln w="19050">
+            <a:solidFill>
+              <a:schemeClr val="tx1"/>
+            </a:solidFill>
+          </a:ln>
+        </p:spPr>
+      </p:pic>
+      <p:sp>
+        <p:nvSpPr>
+          <p:cNvPr id="13" name="Shape 82"/>
+          <p:cNvSpPr/>
+          <p:nvPr/>
+        </p:nvSpPr>
+        <p:spPr>
+          <a:xfrm>
+            <a:off x="265159" y="3199607"/>
+            <a:ext cx="3802785" cy="1140280"/>
+          </a:xfrm>
+          <a:prstGeom prst="rect">
+            <a:avLst/>
+          </a:prstGeom>
+          <a:ln w="12700">
+            <a:miter lim="400000"/>
+          </a:ln>
+          <a:extLst>
+            <a:ext uri="{C572A759-6A51-4108-AA02-DFA0A04FC94B}">
+              <ma14:wrappingTextBoxFlag xmlns="" xmlns:ma14="http://schemas.microsoft.com/office/mac/drawingml/2011/main" val="1"/>
+            </a:ext>
+          </a:extLst>
+        </p:spPr>
+        <p:txBody>
+          <a:bodyPr wrap="square" lIns="91424" tIns="91424" rIns="91424" bIns="91424">
+            <a:spAutoFit/>
+          </a:bodyPr>
+          <a:lstStyle>
+            <a:lvl1pPr>
+              <a:lnSpc>
+                <a:spcPct val="115000"/>
+              </a:lnSpc>
+              <a:defRPr sz="1500">
+                <a:latin typeface="Open Sans"/>
+                <a:ea typeface="Open Sans"/>
+                <a:cs typeface="Open Sans"/>
+                <a:sym typeface="Open Sans"/>
+              </a:defRPr>
+            </a:lvl1pPr>
+          </a:lstStyle>
+          <a:p>
+            <a:r>
+              <a:rPr lang="en-US" b="1" dirty="0"/>
+              <a:t>State</a:t>
+            </a:r>
+          </a:p>
+          <a:p>
+            <a:pPr marL="285750" indent="-285750">
+              <a:buFont typeface="Arial" panose="020B0604020202020204" pitchFamily="34" charset="0"/>
+              <a:buChar char="•"/>
+            </a:pPr>
+            <a:r>
+              <a:rPr lang="en-US" sz="1200" dirty="0"/>
+              <a:t>NSW contributes more than 53% out of total profits as compared to other states.</a:t>
+            </a:r>
+          </a:p>
+          <a:p>
+            <a:endParaRPr dirty="0"/>
+          </a:p>
+        </p:txBody>
+      </p:sp>
+    </p:spTree>
+    <p:extLst>
+      <p:ext uri="{BB962C8B-B14F-4D97-AF65-F5344CB8AC3E}">
+        <p14:creationId xmlns:p14="http://schemas.microsoft.com/office/powerpoint/2010/main" val="3722042775"/>
+      </p:ext>
+    </p:extLst>
+  </p:cSld>
+  <p:clrMapOvr>
+    <a:masterClrMapping/>
+  </p:clrMapOvr>
+  <p:transition spd="med"/>
+</p:sld>
+</file>
+
+<file path=ppt/slides/slide9.xml><?xml version="1.0" encoding="utf-8"?>
+<p:sld xmlns:a="http://schemas.openxmlformats.org/drawingml/2006/main" xmlns:r="http://schemas.openxmlformats.org/officeDocument/2006/relationships" xmlns:p="http://schemas.openxmlformats.org/presentationml/2006/main">
+  <p:cSld>
+    <p:spTree>
+      <p:nvGrpSpPr>
+        <p:cNvPr id="1" name=""/>
+        <p:cNvGrpSpPr/>
+        <p:nvPr/>
+      </p:nvGrpSpPr>
+      <p:grpSpPr>
+        <a:xfrm>
+          <a:off x="0" y="0"/>
+          <a:ext cx="0" cy="0"/>
+          <a:chOff x="0" y="0"/>
+          <a:chExt cx="0" cy="0"/>
+        </a:xfrm>
+      </p:grpSpPr>
+      <p:sp>
+        <p:nvSpPr>
+          <p:cNvPr id="139" name="Shape 88"/>
+          <p:cNvSpPr/>
+          <p:nvPr/>
+        </p:nvSpPr>
+        <p:spPr>
+          <a:xfrm>
+            <a:off x="-15501" y="-19475"/>
+            <a:ext cx="9191402" cy="840000"/>
+          </a:xfrm>
+          <a:prstGeom prst="rect">
+            <a:avLst/>
+          </a:prstGeom>
+          <a:gradFill>
+            <a:gsLst>
+              <a:gs pos="0">
+                <a:srgbClr val="1077D2"/>
+              </a:gs>
+              <a:gs pos="100000">
+                <a:srgbClr val="093153"/>
+              </a:gs>
+            </a:gsLst>
+            <a:lin ang="12000143"/>
+          </a:gradFill>
+          <a:ln w="12700">
+            <a:miter lim="400000"/>
+          </a:ln>
+        </p:spPr>
+        <p:txBody>
+          <a:bodyPr lIns="45719" rIns="45719" anchor="ctr"/>
+          <a:lstStyle/>
+          <a:p>
+            <a:endParaRPr/>
+          </a:p>
+        </p:txBody>
+      </p:sp>
+      <p:sp>
+        <p:nvSpPr>
+          <p:cNvPr id="140" name="Shape 89"/>
+          <p:cNvSpPr/>
+          <p:nvPr/>
+        </p:nvSpPr>
+        <p:spPr>
+          <a:xfrm>
+            <a:off x="205025" y="263974"/>
+            <a:ext cx="8565600" cy="466642"/>
+          </a:xfrm>
+          <a:prstGeom prst="rect">
+            <a:avLst/>
+          </a:prstGeom>
+          <a:ln w="12700">
+            <a:miter lim="400000"/>
+          </a:ln>
+          <a:extLst>
+            <a:ext uri="{C572A759-6A51-4108-AA02-DFA0A04FC94B}">
+              <ma14:wrappingTextBoxFlag xmlns="" xmlns:ma14="http://schemas.microsoft.com/office/mac/drawingml/2011/main" val="1"/>
+            </a:ext>
+          </a:extLst>
+        </p:spPr>
+        <p:txBody>
+          <a:bodyPr lIns="91424" tIns="91424" rIns="91424" bIns="91424">
+            <a:spAutoFit/>
+          </a:bodyPr>
+          <a:lstStyle>
+            <a:lvl1pPr>
+              <a:defRPr sz="2000" b="1">
+                <a:solidFill>
+                  <a:srgbClr val="FFFFFF"/>
+                </a:solidFill>
+              </a:defRPr>
+            </a:lvl1pPr>
+          </a:lstStyle>
+          <a:p>
+            <a:r>
               <a:t>Model Development</a:t>
             </a:r>
           </a:p>
@@ -4856,7 +6778,7 @@
         <p:spPr>
           <a:xfrm>
             <a:off x="205025" y="1083299"/>
-            <a:ext cx="8565600" cy="920086"/>
+            <a:ext cx="8565600" cy="658866"/>
           </a:xfrm>
           <a:prstGeom prst="rect">
             <a:avLst/>
@@ -4866,7 +6788,7 @@
           </a:ln>
           <a:extLst>
             <a:ext uri="{C572A759-6A51-4108-AA02-DFA0A04FC94B}">
-              <ma14:wrappingTextBoxFlag xmlns:ma14="http://schemas.microsoft.com/office/mac/drawingml/2011/main" xmlns="" val="1"/>
+              <ma14:wrappingTextBoxFlag xmlns="" xmlns:ma14="http://schemas.microsoft.com/office/mac/drawingml/2011/main" val="1"/>
             </a:ext>
           </a:extLst>
         </p:spPr>
@@ -4888,9 +6810,12 @@
             </a:lvl1pPr>
           </a:lstStyle>
           <a:p>
-            <a:r>
-              <a:t>Place headline insight or information here. This should be the most important point for this slide.</a:t>
-            </a:r>
+            <a:pPr algn="just"/>
+            <a:r>
+              <a:rPr lang="en-US" sz="1400" b="0" dirty="0"/>
+              <a:t>In order to identify the potential customers, we have done segmentation/clustering based on customer demographics.</a:t>
+            </a:r>
+            <a:endParaRPr sz="1400" b="0" dirty="0"/>
           </a:p>
         </p:txBody>
       </p:sp>
@@ -4903,7 +6828,7 @@
         <p:spPr>
           <a:xfrm>
             <a:off x="205025" y="2164724"/>
-            <a:ext cx="4134600" cy="436851"/>
+            <a:ext cx="4134600" cy="1246463"/>
           </a:xfrm>
           <a:prstGeom prst="rect">
             <a:avLst/>
@@ -4913,7 +6838,7 @@
           </a:ln>
           <a:extLst>
             <a:ext uri="{C572A759-6A51-4108-AA02-DFA0A04FC94B}">
-              <ma14:wrappingTextBoxFlag xmlns:ma14="http://schemas.microsoft.com/office/mac/drawingml/2011/main" xmlns="" val="1"/>
+              <ma14:wrappingTextBoxFlag xmlns="" xmlns:ma14="http://schemas.microsoft.com/office/mac/drawingml/2011/main" val="1"/>
             </a:ext>
           </a:extLst>
         </p:spPr>
@@ -4935,9 +6860,20 @@
             </a:lvl1pPr>
           </a:lstStyle>
           <a:p>
-            <a:r>
-              <a:t>Place any information about this point here.</a:t>
-            </a:r>
+            <a:pPr algn="just"/>
+            <a:r>
+              <a:rPr lang="en-US" dirty="0"/>
+              <a:t>We have used </a:t>
+            </a:r>
+            <a:r>
+              <a:rPr lang="en-US" dirty="0" err="1"/>
+              <a:t>Kmodes</a:t>
+            </a:r>
+            <a:r>
+              <a:rPr lang="en-US" dirty="0"/>
+              <a:t> clustering to form distinct clusters in order to identify potential set of customers who are likely to purchase than those who are unlikely to purchase</a:t>
+            </a:r>
+            <a:endParaRPr dirty="0"/>
           </a:p>
         </p:txBody>
       </p:sp>
@@ -5017,7 +6953,7 @@
             <a:effectLst/>
             <a:extLst>
               <a:ext uri="{C572A759-6A51-4108-AA02-DFA0A04FC94B}">
-                <ma14:wrappingTextBoxFlag xmlns:ma14="http://schemas.microsoft.com/office/mac/drawingml/2011/main" xmlns="" val="1"/>
+                <ma14:wrappingTextBoxFlag xmlns="" xmlns:ma14="http://schemas.microsoft.com/office/mac/drawingml/2011/main" val="1"/>
               </a:ext>
             </a:extLst>
           </p:spPr>
@@ -5064,752 +7000,7 @@
           </a:ln>
           <a:extLst>
             <a:ext uri="{C572A759-6A51-4108-AA02-DFA0A04FC94B}">
-              <ma14:wrappingTextBoxFlag xmlns:ma14="http://schemas.microsoft.com/office/mac/drawingml/2011/main" xmlns="" val="1"/>
-            </a:ext>
-          </a:extLst>
-        </p:spPr>
-        <p:txBody>
-          <a:bodyPr lIns="45719" rIns="45719" anchor="ctr"/>
-          <a:lstStyle/>
-          <a:p>
-            <a:pPr defTabSz="457200">
-              <a:defRPr sz="500" b="1">
-                <a:latin typeface="Calibri"/>
-                <a:ea typeface="Calibri"/>
-                <a:cs typeface="Calibri"/>
-                <a:sym typeface="Calibri"/>
-              </a:defRPr>
-            </a:pPr>
-            <a:r>
-              <a:t>       Note: </a:t>
-            </a:r>
-            <a:r>
-              <a:rPr b="0"/>
-              <a:t>The data and information in this document is reflective of a hypothetical situation and client. This document is to be used for KPMG Virtual Internship purposes only. </a:t>
-            </a:r>
-          </a:p>
-        </p:txBody>
-      </p:sp>
-    </p:spTree>
-  </p:cSld>
-  <p:clrMapOvr>
-    <a:masterClrMapping/>
-  </p:clrMapOvr>
-  <p:transition spd="med"/>
-</p:sld>
-</file>
-
-<file path=ppt/slides/slide7.xml><?xml version="1.0" encoding="utf-8"?>
-<p:sld xmlns:a="http://schemas.openxmlformats.org/drawingml/2006/main" xmlns:r="http://schemas.openxmlformats.org/officeDocument/2006/relationships" xmlns:p="http://schemas.openxmlformats.org/presentationml/2006/main">
-  <p:cSld>
-    <p:spTree>
-      <p:nvGrpSpPr>
-        <p:cNvPr id="1" name=""/>
-        <p:cNvGrpSpPr/>
-        <p:nvPr/>
-      </p:nvGrpSpPr>
-      <p:grpSpPr>
-        <a:xfrm>
-          <a:off x="0" y="0"/>
-          <a:ext cx="0" cy="0"/>
-          <a:chOff x="0" y="0"/>
-          <a:chExt cx="0" cy="0"/>
-        </a:xfrm>
-      </p:grpSpPr>
-      <p:sp>
-        <p:nvSpPr>
-          <p:cNvPr id="148" name="Shape 97"/>
-          <p:cNvSpPr/>
-          <p:nvPr/>
-        </p:nvSpPr>
-        <p:spPr>
-          <a:xfrm>
-            <a:off x="-15501" y="-19475"/>
-            <a:ext cx="9191402" cy="840000"/>
-          </a:xfrm>
-          <a:prstGeom prst="rect">
-            <a:avLst/>
-          </a:prstGeom>
-          <a:gradFill>
-            <a:gsLst>
-              <a:gs pos="0">
-                <a:srgbClr val="1077D2"/>
-              </a:gs>
-              <a:gs pos="100000">
-                <a:srgbClr val="093153"/>
-              </a:gs>
-            </a:gsLst>
-            <a:lin ang="12000143"/>
-          </a:gradFill>
-          <a:ln w="12700">
-            <a:miter lim="400000"/>
-          </a:ln>
-        </p:spPr>
-        <p:txBody>
-          <a:bodyPr lIns="45719" rIns="45719" anchor="ctr"/>
-          <a:lstStyle/>
-          <a:p>
-            <a:endParaRPr/>
-          </a:p>
-        </p:txBody>
-      </p:sp>
-      <p:sp>
-        <p:nvSpPr>
-          <p:cNvPr id="149" name="Shape 98"/>
-          <p:cNvSpPr/>
-          <p:nvPr/>
-        </p:nvSpPr>
-        <p:spPr>
-          <a:xfrm>
-            <a:off x="205025" y="263974"/>
-            <a:ext cx="8565600" cy="758742"/>
-          </a:xfrm>
-          <a:prstGeom prst="rect">
-            <a:avLst/>
-          </a:prstGeom>
-          <a:ln w="12700">
-            <a:miter lim="400000"/>
-          </a:ln>
-          <a:extLst>
-            <a:ext uri="{C572A759-6A51-4108-AA02-DFA0A04FC94B}">
-              <ma14:wrappingTextBoxFlag xmlns:ma14="http://schemas.microsoft.com/office/mac/drawingml/2011/main" xmlns="" val="1"/>
-            </a:ext>
-          </a:extLst>
-        </p:spPr>
-        <p:txBody>
-          <a:bodyPr lIns="91424" tIns="91424" rIns="91424" bIns="91424">
-            <a:spAutoFit/>
-          </a:bodyPr>
-          <a:lstStyle>
-            <a:lvl1pPr>
-              <a:defRPr sz="2000" b="1">
-                <a:solidFill>
-                  <a:srgbClr val="FFFFFF"/>
-                </a:solidFill>
-              </a:defRPr>
-            </a:lvl1pPr>
-          </a:lstStyle>
-          <a:p>
-            <a:r>
-              <a:t>Interpretation</a:t>
-            </a:r>
-          </a:p>
-        </p:txBody>
-      </p:sp>
-      <p:sp>
-        <p:nvSpPr>
-          <p:cNvPr id="150" name="Shape 99"/>
-          <p:cNvSpPr/>
-          <p:nvPr/>
-        </p:nvSpPr>
-        <p:spPr>
-          <a:xfrm>
-            <a:off x="205025" y="1083299"/>
-            <a:ext cx="8565600" cy="920086"/>
-          </a:xfrm>
-          <a:prstGeom prst="rect">
-            <a:avLst/>
-          </a:prstGeom>
-          <a:ln w="12700">
-            <a:miter lim="400000"/>
-          </a:ln>
-          <a:extLst>
-            <a:ext uri="{C572A759-6A51-4108-AA02-DFA0A04FC94B}">
-              <ma14:wrappingTextBoxFlag xmlns:ma14="http://schemas.microsoft.com/office/mac/drawingml/2011/main" xmlns="" val="1"/>
-            </a:ext>
-          </a:extLst>
-        </p:spPr>
-        <p:txBody>
-          <a:bodyPr lIns="91424" tIns="91424" rIns="91424" bIns="91424">
-            <a:spAutoFit/>
-          </a:bodyPr>
-          <a:lstStyle>
-            <a:lvl1pPr>
-              <a:lnSpc>
-                <a:spcPct val="115000"/>
-              </a:lnSpc>
-              <a:defRPr sz="2000" b="1">
-                <a:latin typeface="Open Sans"/>
-                <a:ea typeface="Open Sans"/>
-                <a:cs typeface="Open Sans"/>
-                <a:sym typeface="Open Sans"/>
-              </a:defRPr>
-            </a:lvl1pPr>
-          </a:lstStyle>
-          <a:p>
-            <a:r>
-              <a:t>Place headline insight or information here. This should be the most important point for this slide.</a:t>
-            </a:r>
-          </a:p>
-        </p:txBody>
-      </p:sp>
-      <p:sp>
-        <p:nvSpPr>
-          <p:cNvPr id="151" name="Shape 100"/>
-          <p:cNvSpPr/>
-          <p:nvPr/>
-        </p:nvSpPr>
-        <p:spPr>
-          <a:xfrm>
-            <a:off x="205025" y="2164724"/>
-            <a:ext cx="4134600" cy="436851"/>
-          </a:xfrm>
-          <a:prstGeom prst="rect">
-            <a:avLst/>
-          </a:prstGeom>
-          <a:ln w="12700">
-            <a:miter lim="400000"/>
-          </a:ln>
-          <a:extLst>
-            <a:ext uri="{C572A759-6A51-4108-AA02-DFA0A04FC94B}">
-              <ma14:wrappingTextBoxFlag xmlns:ma14="http://schemas.microsoft.com/office/mac/drawingml/2011/main" xmlns="" val="1"/>
-            </a:ext>
-          </a:extLst>
-        </p:spPr>
-        <p:txBody>
-          <a:bodyPr lIns="91424" tIns="91424" rIns="91424" bIns="91424">
-            <a:spAutoFit/>
-          </a:bodyPr>
-          <a:lstStyle>
-            <a:lvl1pPr>
-              <a:lnSpc>
-                <a:spcPct val="115000"/>
-              </a:lnSpc>
-              <a:defRPr sz="1500">
-                <a:latin typeface="Open Sans"/>
-                <a:ea typeface="Open Sans"/>
-                <a:cs typeface="Open Sans"/>
-                <a:sym typeface="Open Sans"/>
-              </a:defRPr>
-            </a:lvl1pPr>
-          </a:lstStyle>
-          <a:p>
-            <a:r>
-              <a:t>Place any information about this point here.</a:t>
-            </a:r>
-          </a:p>
-        </p:txBody>
-      </p:sp>
-      <p:grpSp>
-        <p:nvGrpSpPr>
-          <p:cNvPr id="154" name="Shape 101"/>
-          <p:cNvGrpSpPr/>
-          <p:nvPr/>
-        </p:nvGrpSpPr>
-        <p:grpSpPr>
-          <a:xfrm>
-            <a:off x="4969974" y="2164724"/>
-            <a:ext cx="3800702" cy="2649302"/>
-            <a:chOff x="0" y="0"/>
-            <a:chExt cx="3800700" cy="2649300"/>
-          </a:xfrm>
-        </p:grpSpPr>
-        <p:sp>
-          <p:nvSpPr>
-            <p:cNvPr id="152" name="Rectangle"/>
-            <p:cNvSpPr/>
-            <p:nvPr/>
-          </p:nvSpPr>
-          <p:spPr>
-            <a:xfrm>
-              <a:off x="-1" y="-1"/>
-              <a:ext cx="3800702" cy="2649302"/>
-            </a:xfrm>
-            <a:prstGeom prst="rect">
-              <a:avLst/>
-            </a:prstGeom>
-            <a:solidFill>
-              <a:srgbClr val="EEEEEE"/>
-            </a:solidFill>
-            <a:ln w="12700" cap="flat">
-              <a:noFill/>
-              <a:miter lim="400000"/>
-            </a:ln>
-            <a:effectLst/>
-          </p:spPr>
-          <p:txBody>
-            <a:bodyPr wrap="square" lIns="45719" tIns="45719" rIns="45719" bIns="45719" numCol="1" anchor="ctr">
-              <a:noAutofit/>
-            </a:bodyPr>
-            <a:lstStyle/>
-            <a:p>
-              <a:pPr algn="ctr">
-                <a:defRPr>
-                  <a:solidFill>
-                    <a:srgbClr val="666666"/>
-                  </a:solidFill>
-                </a:defRPr>
-              </a:pPr>
-              <a:endParaRPr/>
-            </a:p>
-          </p:txBody>
-        </p:sp>
-        <p:sp>
-          <p:nvSpPr>
-            <p:cNvPr id="153" name="Place any supporting images, graphs, data or extra text here."/>
-            <p:cNvSpPr/>
-            <p:nvPr/>
-          </p:nvSpPr>
-          <p:spPr>
-            <a:xfrm>
-              <a:off x="-1" y="1032933"/>
-              <a:ext cx="3800702" cy="583434"/>
-            </a:xfrm>
-            <a:prstGeom prst="rect">
-              <a:avLst/>
-            </a:prstGeom>
-            <a:noFill/>
-            <a:ln w="12700" cap="flat">
-              <a:noFill/>
-              <a:miter lim="400000"/>
-            </a:ln>
-            <a:effectLst/>
-            <a:extLst>
-              <a:ext uri="{C572A759-6A51-4108-AA02-DFA0A04FC94B}">
-                <ma14:wrappingTextBoxFlag xmlns:ma14="http://schemas.microsoft.com/office/mac/drawingml/2011/main" xmlns="" val="1"/>
-              </a:ext>
-            </a:extLst>
-          </p:spPr>
-          <p:txBody>
-            <a:bodyPr wrap="square" lIns="91424" tIns="91424" rIns="91424" bIns="91424" numCol="1" anchor="ctr">
-              <a:spAutoFit/>
-            </a:bodyPr>
-            <a:lstStyle>
-              <a:lvl1pPr algn="ctr">
-                <a:defRPr>
-                  <a:solidFill>
-                    <a:srgbClr val="666666"/>
-                  </a:solidFill>
-                </a:defRPr>
-              </a:lvl1pPr>
-            </a:lstStyle>
-            <a:p>
-              <a:r>
-                <a:t>Place any supporting images, graphs, data or extra text here.</a:t>
-              </a:r>
-            </a:p>
-          </p:txBody>
-        </p:sp>
-      </p:grpSp>
-      <p:sp>
-        <p:nvSpPr>
-          <p:cNvPr id="155" name="Note: The data and information in this document is reflective of a hypothetical situation and client. This document is to be used for KPMG Virtual Internship purposes only."/>
-          <p:cNvSpPr/>
-          <p:nvPr/>
-        </p:nvSpPr>
-        <p:spPr>
-          <a:xfrm>
-            <a:off x="-6201" y="-6350"/>
-            <a:ext cx="9175601" cy="238700"/>
-          </a:xfrm>
-          <a:prstGeom prst="rect">
-            <a:avLst/>
-          </a:prstGeom>
-          <a:solidFill>
-            <a:schemeClr val="accent3"/>
-          </a:solidFill>
-          <a:ln w="12700">
-            <a:miter lim="400000"/>
-          </a:ln>
-          <a:extLst>
-            <a:ext uri="{C572A759-6A51-4108-AA02-DFA0A04FC94B}">
-              <ma14:wrappingTextBoxFlag xmlns:ma14="http://schemas.microsoft.com/office/mac/drawingml/2011/main" xmlns="" val="1"/>
-            </a:ext>
-          </a:extLst>
-        </p:spPr>
-        <p:txBody>
-          <a:bodyPr lIns="45719" rIns="45719" anchor="ctr"/>
-          <a:lstStyle/>
-          <a:p>
-            <a:pPr defTabSz="457200">
-              <a:defRPr sz="500" b="1">
-                <a:latin typeface="Calibri"/>
-                <a:ea typeface="Calibri"/>
-                <a:cs typeface="Calibri"/>
-                <a:sym typeface="Calibri"/>
-              </a:defRPr>
-            </a:pPr>
-            <a:r>
-              <a:t>       Note: </a:t>
-            </a:r>
-            <a:r>
-              <a:rPr b="0"/>
-              <a:t>The data and information in this document is reflective of a hypothetical situation and client. This document is to be used for KPMG Virtual Internship purposes only. </a:t>
-            </a:r>
-          </a:p>
-        </p:txBody>
-      </p:sp>
-    </p:spTree>
-  </p:cSld>
-  <p:clrMapOvr>
-    <a:masterClrMapping/>
-  </p:clrMapOvr>
-  <p:transition spd="med"/>
-</p:sld>
-</file>
-
-<file path=ppt/slides/slide8.xml><?xml version="1.0" encoding="utf-8"?>
-<p:sld xmlns:a="http://schemas.openxmlformats.org/drawingml/2006/main" xmlns:r="http://schemas.openxmlformats.org/officeDocument/2006/relationships" xmlns:p="http://schemas.openxmlformats.org/presentationml/2006/main">
-  <p:cSld>
-    <p:spTree>
-      <p:nvGrpSpPr>
-        <p:cNvPr id="1" name=""/>
-        <p:cNvGrpSpPr/>
-        <p:nvPr/>
-      </p:nvGrpSpPr>
-      <p:grpSpPr>
-        <a:xfrm>
-          <a:off x="0" y="0"/>
-          <a:ext cx="0" cy="0"/>
-          <a:chOff x="0" y="0"/>
-          <a:chExt cx="0" cy="0"/>
-        </a:xfrm>
-      </p:grpSpPr>
-      <p:sp>
-        <p:nvSpPr>
-          <p:cNvPr id="157" name="Shape 106"/>
-          <p:cNvSpPr/>
-          <p:nvPr/>
-        </p:nvSpPr>
-        <p:spPr>
-          <a:xfrm rot="10800000" flipH="1">
-            <a:off x="-1" y="0"/>
-            <a:ext cx="9163201" cy="5148001"/>
-          </a:xfrm>
-          <a:custGeom>
-            <a:avLst/>
-            <a:gdLst/>
-            <a:ahLst/>
-            <a:cxnLst>
-              <a:cxn ang="0">
-                <a:pos x="wd2" y="hd2"/>
-              </a:cxn>
-              <a:cxn ang="5400000">
-                <a:pos x="wd2" y="hd2"/>
-              </a:cxn>
-              <a:cxn ang="10800000">
-                <a:pos x="wd2" y="hd2"/>
-              </a:cxn>
-              <a:cxn ang="16200000">
-                <a:pos x="wd2" y="hd2"/>
-              </a:cxn>
-            </a:cxnLst>
-            <a:rect l="0" t="0" r="r" b="b"/>
-            <a:pathLst>
-              <a:path w="21600" h="21600" extrusionOk="0">
-                <a:moveTo>
-                  <a:pt x="0" y="0"/>
-                </a:moveTo>
-                <a:lnTo>
-                  <a:pt x="16564" y="0"/>
-                </a:lnTo>
-                <a:lnTo>
-                  <a:pt x="21600" y="8964"/>
-                </a:lnTo>
-                <a:lnTo>
-                  <a:pt x="21600" y="21600"/>
-                </a:lnTo>
-                <a:lnTo>
-                  <a:pt x="0" y="21600"/>
-                </a:lnTo>
-                <a:close/>
-              </a:path>
-            </a:pathLst>
-          </a:custGeom>
-          <a:gradFill>
-            <a:gsLst>
-              <a:gs pos="0">
-                <a:srgbClr val="1077D2"/>
-              </a:gs>
-              <a:gs pos="100000">
-                <a:srgbClr val="093153"/>
-              </a:gs>
-            </a:gsLst>
-            <a:lin ang="12000143"/>
-          </a:gradFill>
-          <a:ln w="12700">
-            <a:miter lim="400000"/>
-          </a:ln>
-        </p:spPr>
-        <p:txBody>
-          <a:bodyPr lIns="45719" rIns="45719" anchor="ctr"/>
-          <a:lstStyle/>
-          <a:p>
-            <a:endParaRPr/>
-          </a:p>
-        </p:txBody>
-      </p:sp>
-      <p:sp>
-        <p:nvSpPr>
-          <p:cNvPr id="158" name="Shape 107"/>
-          <p:cNvSpPr/>
-          <p:nvPr/>
-        </p:nvSpPr>
-        <p:spPr>
-          <a:xfrm>
-            <a:off x="537899" y="1895175"/>
-            <a:ext cx="3953102" cy="779751"/>
-          </a:xfrm>
-          <a:prstGeom prst="rect">
-            <a:avLst/>
-          </a:prstGeom>
-          <a:ln w="12700">
-            <a:miter lim="400000"/>
-          </a:ln>
-          <a:extLst>
-            <a:ext uri="{C572A759-6A51-4108-AA02-DFA0A04FC94B}">
-              <ma14:wrappingTextBoxFlag xmlns:ma14="http://schemas.microsoft.com/office/mac/drawingml/2011/main" xmlns="" val="1"/>
-            </a:ext>
-          </a:extLst>
-        </p:spPr>
-        <p:txBody>
-          <a:bodyPr lIns="91424" tIns="91424" rIns="91424" bIns="91424">
-            <a:spAutoFit/>
-          </a:bodyPr>
-          <a:lstStyle>
-            <a:lvl1pPr>
-              <a:defRPr sz="3500">
-                <a:solidFill>
-                  <a:srgbClr val="FFFFFF"/>
-                </a:solidFill>
-                <a:latin typeface="Open Sans Extrabold"/>
-                <a:ea typeface="Open Sans Extrabold"/>
-                <a:cs typeface="Open Sans Extrabold"/>
-                <a:sym typeface="Open Sans Extrabold"/>
-              </a:defRPr>
-            </a:lvl1pPr>
-          </a:lstStyle>
-          <a:p>
-            <a:r>
-              <a:t>Appendix</a:t>
-            </a:r>
-          </a:p>
-        </p:txBody>
-      </p:sp>
-      <p:sp>
-        <p:nvSpPr>
-          <p:cNvPr id="159" name="Note: The data and information in this document is reflective of a hypothetical situation and client. This document is to be used for KPMG Virtual Internship purposes only."/>
-          <p:cNvSpPr/>
-          <p:nvPr/>
-        </p:nvSpPr>
-        <p:spPr>
-          <a:xfrm>
-            <a:off x="-6201" y="-6350"/>
-            <a:ext cx="9175601" cy="238700"/>
-          </a:xfrm>
-          <a:prstGeom prst="rect">
-            <a:avLst/>
-          </a:prstGeom>
-          <a:solidFill>
-            <a:schemeClr val="accent3"/>
-          </a:solidFill>
-          <a:ln w="12700">
-            <a:miter lim="400000"/>
-          </a:ln>
-          <a:extLst>
-            <a:ext uri="{C572A759-6A51-4108-AA02-DFA0A04FC94B}">
-              <ma14:wrappingTextBoxFlag xmlns:ma14="http://schemas.microsoft.com/office/mac/drawingml/2011/main" xmlns="" val="1"/>
-            </a:ext>
-          </a:extLst>
-        </p:spPr>
-        <p:txBody>
-          <a:bodyPr lIns="45719" rIns="45719" anchor="ctr"/>
-          <a:lstStyle/>
-          <a:p>
-            <a:pPr defTabSz="457200">
-              <a:defRPr sz="500" b="1">
-                <a:latin typeface="Calibri"/>
-                <a:ea typeface="Calibri"/>
-                <a:cs typeface="Calibri"/>
-                <a:sym typeface="Calibri"/>
-              </a:defRPr>
-            </a:pPr>
-            <a:r>
-              <a:t>       Note: </a:t>
-            </a:r>
-            <a:r>
-              <a:rPr b="0"/>
-              <a:t>The data and information in this document is reflective of a hypothetical situation and client. This document is to be used for KPMG Virtual Internship purposes only. </a:t>
-            </a:r>
-          </a:p>
-        </p:txBody>
-      </p:sp>
-    </p:spTree>
-  </p:cSld>
-  <p:clrMapOvr>
-    <a:masterClrMapping/>
-  </p:clrMapOvr>
-  <p:transition spd="med"/>
-</p:sld>
-</file>
-
-<file path=ppt/slides/slide9.xml><?xml version="1.0" encoding="utf-8"?>
-<p:sld xmlns:a="http://schemas.openxmlformats.org/drawingml/2006/main" xmlns:r="http://schemas.openxmlformats.org/officeDocument/2006/relationships" xmlns:p="http://schemas.openxmlformats.org/presentationml/2006/main">
-  <p:cSld>
-    <p:spTree>
-      <p:nvGrpSpPr>
-        <p:cNvPr id="1" name=""/>
-        <p:cNvGrpSpPr/>
-        <p:nvPr/>
-      </p:nvGrpSpPr>
-      <p:grpSpPr>
-        <a:xfrm>
-          <a:off x="0" y="0"/>
-          <a:ext cx="0" cy="0"/>
-          <a:chOff x="0" y="0"/>
-          <a:chExt cx="0" cy="0"/>
-        </a:xfrm>
-      </p:grpSpPr>
-      <p:sp>
-        <p:nvSpPr>
-          <p:cNvPr id="161" name="Shape 113"/>
-          <p:cNvSpPr/>
-          <p:nvPr/>
-        </p:nvSpPr>
-        <p:spPr>
-          <a:xfrm>
-            <a:off x="-15501" y="-19475"/>
-            <a:ext cx="9191402" cy="840000"/>
-          </a:xfrm>
-          <a:prstGeom prst="rect">
-            <a:avLst/>
-          </a:prstGeom>
-          <a:gradFill>
-            <a:gsLst>
-              <a:gs pos="0">
-                <a:srgbClr val="1077D2"/>
-              </a:gs>
-              <a:gs pos="100000">
-                <a:srgbClr val="093153"/>
-              </a:gs>
-            </a:gsLst>
-            <a:lin ang="12000143"/>
-          </a:gradFill>
-          <a:ln w="12700">
-            <a:miter lim="400000"/>
-          </a:ln>
-        </p:spPr>
-        <p:txBody>
-          <a:bodyPr lIns="45719" rIns="45719" anchor="ctr"/>
-          <a:lstStyle/>
-          <a:p>
-            <a:endParaRPr/>
-          </a:p>
-        </p:txBody>
-      </p:sp>
-      <p:sp>
-        <p:nvSpPr>
-          <p:cNvPr id="162" name="Shape 114"/>
-          <p:cNvSpPr/>
-          <p:nvPr/>
-        </p:nvSpPr>
-        <p:spPr>
-          <a:xfrm>
-            <a:off x="205025" y="263974"/>
-            <a:ext cx="8565600" cy="758742"/>
-          </a:xfrm>
-          <a:prstGeom prst="rect">
-            <a:avLst/>
-          </a:prstGeom>
-          <a:ln w="12700">
-            <a:miter lim="400000"/>
-          </a:ln>
-          <a:extLst>
-            <a:ext uri="{C572A759-6A51-4108-AA02-DFA0A04FC94B}">
-              <ma14:wrappingTextBoxFlag xmlns:ma14="http://schemas.microsoft.com/office/mac/drawingml/2011/main" xmlns="" val="1"/>
-            </a:ext>
-          </a:extLst>
-        </p:spPr>
-        <p:txBody>
-          <a:bodyPr lIns="91424" tIns="91424" rIns="91424" bIns="91424">
-            <a:spAutoFit/>
-          </a:bodyPr>
-          <a:lstStyle>
-            <a:lvl1pPr>
-              <a:defRPr sz="2000" b="1">
-                <a:solidFill>
-                  <a:srgbClr val="FFFFFF"/>
-                </a:solidFill>
-              </a:defRPr>
-            </a:lvl1pPr>
-          </a:lstStyle>
-          <a:p>
-            <a:r>
-              <a:t>Appendix</a:t>
-            </a:r>
-          </a:p>
-        </p:txBody>
-      </p:sp>
-      <p:sp>
-        <p:nvSpPr>
-          <p:cNvPr id="163" name="Shape 115"/>
-          <p:cNvSpPr/>
-          <p:nvPr/>
-        </p:nvSpPr>
-        <p:spPr>
-          <a:xfrm>
-            <a:off x="205025" y="1083299"/>
-            <a:ext cx="8565600" cy="920086"/>
-          </a:xfrm>
-          <a:prstGeom prst="rect">
-            <a:avLst/>
-          </a:prstGeom>
-          <a:ln w="12700">
-            <a:miter lim="400000"/>
-          </a:ln>
-          <a:extLst>
-            <a:ext uri="{C572A759-6A51-4108-AA02-DFA0A04FC94B}">
-              <ma14:wrappingTextBoxFlag xmlns:ma14="http://schemas.microsoft.com/office/mac/drawingml/2011/main" xmlns="" val="1"/>
-            </a:ext>
-          </a:extLst>
-        </p:spPr>
-        <p:txBody>
-          <a:bodyPr lIns="91424" tIns="91424" rIns="91424" bIns="91424">
-            <a:spAutoFit/>
-          </a:bodyPr>
-          <a:lstStyle>
-            <a:lvl1pPr>
-              <a:lnSpc>
-                <a:spcPct val="115000"/>
-              </a:lnSpc>
-              <a:defRPr sz="2000" b="1">
-                <a:latin typeface="Open Sans"/>
-                <a:ea typeface="Open Sans"/>
-                <a:cs typeface="Open Sans"/>
-                <a:sym typeface="Open Sans"/>
-              </a:defRPr>
-            </a:lvl1pPr>
-          </a:lstStyle>
-          <a:p>
-            <a:r>
-              <a:t>This is an optional slide where you may place any supporting items.</a:t>
-            </a:r>
-          </a:p>
-        </p:txBody>
-      </p:sp>
-      <p:sp>
-        <p:nvSpPr>
-          <p:cNvPr id="164" name="Note: The data and information in this document is reflective of a hypothetical situation and client. This document is to be used for KPMG Virtual Internship purposes only."/>
-          <p:cNvSpPr/>
-          <p:nvPr/>
-        </p:nvSpPr>
-        <p:spPr>
-          <a:xfrm>
-            <a:off x="-6201" y="-6350"/>
-            <a:ext cx="9175601" cy="238700"/>
-          </a:xfrm>
-          <a:prstGeom prst="rect">
-            <a:avLst/>
-          </a:prstGeom>
-          <a:solidFill>
-            <a:schemeClr val="accent3"/>
-          </a:solidFill>
-          <a:ln w="12700">
-            <a:miter lim="400000"/>
-          </a:ln>
-          <a:extLst>
-            <a:ext uri="{C572A759-6A51-4108-AA02-DFA0A04FC94B}">
-              <ma14:wrappingTextBoxFlag xmlns:ma14="http://schemas.microsoft.com/office/mac/drawingml/2011/main" xmlns="" val="1"/>
+              <ma14:wrappingTextBoxFlag xmlns="" xmlns:ma14="http://schemas.microsoft.com/office/mac/drawingml/2011/main" val="1"/>
             </a:ext>
           </a:extLst>
         </p:spPr>
